--- a/09.AJAX/Ajax.pptx
+++ b/09.AJAX/Ajax.pptx
@@ -2,7 +2,7 @@
 <file path=ppt/presentation.xml><?xml version="1.0" encoding="utf-8"?>
 <p:presentation xmlns:a="http://schemas.openxmlformats.org/drawingml/2006/main" xmlns:r="http://schemas.openxmlformats.org/officeDocument/2006/relationships" xmlns:p="http://schemas.openxmlformats.org/presentationml/2006/main" saveSubsetFonts="1">
   <p:sldMasterIdLst>
-    <p:sldMasterId id="2147483648" r:id="rId1"/>
+    <p:sldMasterId id="2147483660" r:id="rId1"/>
   </p:sldMasterIdLst>
   <p:sldIdLst>
     <p:sldId id="256" r:id="rId2"/>
@@ -17,7 +17,7 @@
     <a:defPPr>
       <a:defRPr lang="en-US"/>
     </a:defPPr>
-    <a:lvl1pPr marL="0" algn="l" defTabSz="914400" rtl="0" eaLnBrk="1" latinLnBrk="0" hangingPunct="1">
+    <a:lvl1pPr marL="0" algn="l" defTabSz="457200" rtl="0" eaLnBrk="1" latinLnBrk="0" hangingPunct="1">
       <a:defRPr sz="1800" kern="1200">
         <a:solidFill>
           <a:schemeClr val="tx1"/>
@@ -27,7 +27,7 @@
         <a:cs typeface="+mn-cs"/>
       </a:defRPr>
     </a:lvl1pPr>
-    <a:lvl2pPr marL="457200" algn="l" defTabSz="914400" rtl="0" eaLnBrk="1" latinLnBrk="0" hangingPunct="1">
+    <a:lvl2pPr marL="457200" algn="l" defTabSz="457200" rtl="0" eaLnBrk="1" latinLnBrk="0" hangingPunct="1">
       <a:defRPr sz="1800" kern="1200">
         <a:solidFill>
           <a:schemeClr val="tx1"/>
@@ -37,7 +37,7 @@
         <a:cs typeface="+mn-cs"/>
       </a:defRPr>
     </a:lvl2pPr>
-    <a:lvl3pPr marL="914400" algn="l" defTabSz="914400" rtl="0" eaLnBrk="1" latinLnBrk="0" hangingPunct="1">
+    <a:lvl3pPr marL="914400" algn="l" defTabSz="457200" rtl="0" eaLnBrk="1" latinLnBrk="0" hangingPunct="1">
       <a:defRPr sz="1800" kern="1200">
         <a:solidFill>
           <a:schemeClr val="tx1"/>
@@ -47,7 +47,7 @@
         <a:cs typeface="+mn-cs"/>
       </a:defRPr>
     </a:lvl3pPr>
-    <a:lvl4pPr marL="1371600" algn="l" defTabSz="914400" rtl="0" eaLnBrk="1" latinLnBrk="0" hangingPunct="1">
+    <a:lvl4pPr marL="1371600" algn="l" defTabSz="457200" rtl="0" eaLnBrk="1" latinLnBrk="0" hangingPunct="1">
       <a:defRPr sz="1800" kern="1200">
         <a:solidFill>
           <a:schemeClr val="tx1"/>
@@ -57,7 +57,7 @@
         <a:cs typeface="+mn-cs"/>
       </a:defRPr>
     </a:lvl4pPr>
-    <a:lvl5pPr marL="1828800" algn="l" defTabSz="914400" rtl="0" eaLnBrk="1" latinLnBrk="0" hangingPunct="1">
+    <a:lvl5pPr marL="1828800" algn="l" defTabSz="457200" rtl="0" eaLnBrk="1" latinLnBrk="0" hangingPunct="1">
       <a:defRPr sz="1800" kern="1200">
         <a:solidFill>
           <a:schemeClr val="tx1"/>
@@ -67,7 +67,7 @@
         <a:cs typeface="+mn-cs"/>
       </a:defRPr>
     </a:lvl5pPr>
-    <a:lvl6pPr marL="2286000" algn="l" defTabSz="914400" rtl="0" eaLnBrk="1" latinLnBrk="0" hangingPunct="1">
+    <a:lvl6pPr marL="2286000" algn="l" defTabSz="457200" rtl="0" eaLnBrk="1" latinLnBrk="0" hangingPunct="1">
       <a:defRPr sz="1800" kern="1200">
         <a:solidFill>
           <a:schemeClr val="tx1"/>
@@ -77,7 +77,7 @@
         <a:cs typeface="+mn-cs"/>
       </a:defRPr>
     </a:lvl6pPr>
-    <a:lvl7pPr marL="2743200" algn="l" defTabSz="914400" rtl="0" eaLnBrk="1" latinLnBrk="0" hangingPunct="1">
+    <a:lvl7pPr marL="2743200" algn="l" defTabSz="457200" rtl="0" eaLnBrk="1" latinLnBrk="0" hangingPunct="1">
       <a:defRPr sz="1800" kern="1200">
         <a:solidFill>
           <a:schemeClr val="tx1"/>
@@ -87,7 +87,7 @@
         <a:cs typeface="+mn-cs"/>
       </a:defRPr>
     </a:lvl7pPr>
-    <a:lvl8pPr marL="3200400" algn="l" defTabSz="914400" rtl="0" eaLnBrk="1" latinLnBrk="0" hangingPunct="1">
+    <a:lvl8pPr marL="3200400" algn="l" defTabSz="457200" rtl="0" eaLnBrk="1" latinLnBrk="0" hangingPunct="1">
       <a:defRPr sz="1800" kern="1200">
         <a:solidFill>
           <a:schemeClr val="tx1"/>
@@ -97,7 +97,7 @@
         <a:cs typeface="+mn-cs"/>
       </a:defRPr>
     </a:lvl8pPr>
-    <a:lvl9pPr marL="3657600" algn="l" defTabSz="914400" rtl="0" eaLnBrk="1" latinLnBrk="0" hangingPunct="1">
+    <a:lvl9pPr marL="3657600" algn="l" defTabSz="457200" rtl="0" eaLnBrk="1" latinLnBrk="0" hangingPunct="1">
       <a:defRPr sz="1800" kern="1200">
         <a:solidFill>
           <a:schemeClr val="tx1"/>
@@ -108,6 +108,11 @@
       </a:defRPr>
     </a:lvl9pPr>
   </p:defaultTextStyle>
+  <p:extLst>
+    <p:ext uri="{EFAFB233-063F-42B5-8137-9DF3F51BA10A}">
+      <p15:sldGuideLst xmlns:p15="http://schemas.microsoft.com/office/powerpoint/2012/main"/>
+    </p:ext>
+  </p:extLst>
 </p:presentation>
 </file>
 
@@ -130,6 +135,110 @@
       </p:grpSpPr>
       <p:sp>
         <p:nvSpPr>
+          <p:cNvPr id="11" name="Freeform 6"/>
+          <p:cNvSpPr/>
+          <p:nvPr/>
+        </p:nvSpPr>
+        <p:spPr bwMode="auto">
+          <a:xfrm>
+            <a:off x="0" y="-3175"/>
+            <a:ext cx="12192000" cy="5203825"/>
+          </a:xfrm>
+          <a:custGeom>
+            <a:avLst/>
+            <a:gdLst/>
+            <a:ahLst/>
+            <a:cxnLst/>
+            <a:rect l="0" t="0" r="r" b="b"/>
+            <a:pathLst>
+              <a:path w="5760" h="3278">
+                <a:moveTo>
+                  <a:pt x="5760" y="0"/>
+                </a:moveTo>
+                <a:lnTo>
+                  <a:pt x="0" y="0"/>
+                </a:lnTo>
+                <a:lnTo>
+                  <a:pt x="0" y="3090"/>
+                </a:lnTo>
+                <a:lnTo>
+                  <a:pt x="943" y="3090"/>
+                </a:lnTo>
+                <a:lnTo>
+                  <a:pt x="1123" y="3270"/>
+                </a:lnTo>
+                <a:lnTo>
+                  <a:pt x="1123" y="3270"/>
+                </a:lnTo>
+                <a:lnTo>
+                  <a:pt x="1127" y="3272"/>
+                </a:lnTo>
+                <a:lnTo>
+                  <a:pt x="1133" y="3275"/>
+                </a:lnTo>
+                <a:lnTo>
+                  <a:pt x="1139" y="3278"/>
+                </a:lnTo>
+                <a:lnTo>
+                  <a:pt x="1144" y="3278"/>
+                </a:lnTo>
+                <a:lnTo>
+                  <a:pt x="1150" y="3278"/>
+                </a:lnTo>
+                <a:lnTo>
+                  <a:pt x="1155" y="3275"/>
+                </a:lnTo>
+                <a:lnTo>
+                  <a:pt x="1161" y="3272"/>
+                </a:lnTo>
+                <a:lnTo>
+                  <a:pt x="1165" y="3270"/>
+                </a:lnTo>
+                <a:lnTo>
+                  <a:pt x="1345" y="3090"/>
+                </a:lnTo>
+                <a:lnTo>
+                  <a:pt x="5760" y="3090"/>
+                </a:lnTo>
+                <a:lnTo>
+                  <a:pt x="5760" y="0"/>
+                </a:lnTo>
+                <a:close/>
+              </a:path>
+            </a:pathLst>
+          </a:custGeom>
+          <a:ln/>
+          <a:effectLst/>
+          <a:extLst>
+            <a:ext uri="{91240B29-F687-4f45-9708-019B960494DF}">
+              <a14:hiddenLine xmlns:a14="http://schemas.microsoft.com/office/drawing/2010/main" xmlns="" w="9525">
+                <a:solidFill>
+                  <a:srgbClr val="000000"/>
+                </a:solidFill>
+                <a:round/>
+                <a:headEnd/>
+                <a:tailEnd/>
+              </a14:hiddenLine>
+            </a:ext>
+          </a:extLst>
+        </p:spPr>
+        <p:style>
+          <a:lnRef idx="1">
+            <a:schemeClr val="accent1"/>
+          </a:lnRef>
+          <a:fillRef idx="3">
+            <a:schemeClr val="accent1"/>
+          </a:fillRef>
+          <a:effectRef idx="2">
+            <a:schemeClr val="accent1"/>
+          </a:effectRef>
+          <a:fontRef idx="minor">
+            <a:schemeClr val="lt1"/>
+          </a:fontRef>
+        </p:style>
+      </p:sp>
+      <p:sp>
+        <p:nvSpPr>
           <p:cNvPr id="2" name="Title 1"/>
           <p:cNvSpPr>
             <a:spLocks noGrp="1"/>
@@ -140,23 +249,23 @@
         </p:nvSpPr>
         <p:spPr>
           <a:xfrm>
-            <a:off x="1524000" y="1122363"/>
-            <a:ext cx="9144000" cy="2387600"/>
+            <a:off x="810001" y="1449147"/>
+            <a:ext cx="10572000" cy="2971051"/>
           </a:xfrm>
         </p:spPr>
         <p:txBody>
-          <a:bodyPr anchor="b"/>
+          <a:bodyPr/>
           <a:lstStyle>
-            <a:lvl1pPr algn="ctr">
-              <a:defRPr sz="6000"/>
+            <a:lvl1pPr>
+              <a:defRPr sz="5400"/>
             </a:lvl1pPr>
           </a:lstStyle>
           <a:p>
             <a:r>
-              <a:rPr lang="en-US" smtClean="0"/>
+              <a:rPr lang="en-US"/>
               <a:t>Click to edit Master title style</a:t>
             </a:r>
-            <a:endParaRPr lang="en-IN"/>
+            <a:endParaRPr lang="en-US" dirty="0"/>
           </a:p>
         </p:txBody>
       </p:sp>
@@ -172,56 +281,108 @@
         </p:nvSpPr>
         <p:spPr>
           <a:xfrm>
-            <a:off x="1524000" y="3602038"/>
-            <a:ext cx="9144000" cy="1655762"/>
+            <a:off x="810001" y="5280847"/>
+            <a:ext cx="10572000" cy="434974"/>
           </a:xfrm>
         </p:spPr>
         <p:txBody>
-          <a:bodyPr/>
+          <a:bodyPr anchor="t"/>
           <a:lstStyle>
-            <a:lvl1pPr marL="0" indent="0" algn="ctr">
-              <a:buNone/>
-              <a:defRPr sz="2400"/>
+            <a:lvl1pPr marL="0" indent="0" algn="l">
+              <a:buNone/>
+              <a:defRPr>
+                <a:solidFill>
+                  <a:schemeClr val="tx1"/>
+                </a:solidFill>
+              </a:defRPr>
             </a:lvl1pPr>
             <a:lvl2pPr marL="457200" indent="0" algn="ctr">
               <a:buNone/>
-              <a:defRPr sz="2000"/>
+              <a:defRPr>
+                <a:solidFill>
+                  <a:schemeClr val="tx1">
+                    <a:tint val="75000"/>
+                  </a:schemeClr>
+                </a:solidFill>
+              </a:defRPr>
             </a:lvl2pPr>
             <a:lvl3pPr marL="914400" indent="0" algn="ctr">
               <a:buNone/>
-              <a:defRPr sz="1800"/>
+              <a:defRPr>
+                <a:solidFill>
+                  <a:schemeClr val="tx1">
+                    <a:tint val="75000"/>
+                  </a:schemeClr>
+                </a:solidFill>
+              </a:defRPr>
             </a:lvl3pPr>
             <a:lvl4pPr marL="1371600" indent="0" algn="ctr">
               <a:buNone/>
-              <a:defRPr sz="1600"/>
+              <a:defRPr>
+                <a:solidFill>
+                  <a:schemeClr val="tx1">
+                    <a:tint val="75000"/>
+                  </a:schemeClr>
+                </a:solidFill>
+              </a:defRPr>
             </a:lvl4pPr>
             <a:lvl5pPr marL="1828800" indent="0" algn="ctr">
               <a:buNone/>
-              <a:defRPr sz="1600"/>
+              <a:defRPr>
+                <a:solidFill>
+                  <a:schemeClr val="tx1">
+                    <a:tint val="75000"/>
+                  </a:schemeClr>
+                </a:solidFill>
+              </a:defRPr>
             </a:lvl5pPr>
             <a:lvl6pPr marL="2286000" indent="0" algn="ctr">
               <a:buNone/>
-              <a:defRPr sz="1600"/>
+              <a:defRPr>
+                <a:solidFill>
+                  <a:schemeClr val="tx1">
+                    <a:tint val="75000"/>
+                  </a:schemeClr>
+                </a:solidFill>
+              </a:defRPr>
             </a:lvl6pPr>
             <a:lvl7pPr marL="2743200" indent="0" algn="ctr">
               <a:buNone/>
-              <a:defRPr sz="1600"/>
+              <a:defRPr>
+                <a:solidFill>
+                  <a:schemeClr val="tx1">
+                    <a:tint val="75000"/>
+                  </a:schemeClr>
+                </a:solidFill>
+              </a:defRPr>
             </a:lvl7pPr>
             <a:lvl8pPr marL="3200400" indent="0" algn="ctr">
               <a:buNone/>
-              <a:defRPr sz="1600"/>
+              <a:defRPr>
+                <a:solidFill>
+                  <a:schemeClr val="tx1">
+                    <a:tint val="75000"/>
+                  </a:schemeClr>
+                </a:solidFill>
+              </a:defRPr>
             </a:lvl8pPr>
             <a:lvl9pPr marL="3657600" indent="0" algn="ctr">
               <a:buNone/>
-              <a:defRPr sz="1600"/>
+              <a:defRPr>
+                <a:solidFill>
+                  <a:schemeClr val="tx1">
+                    <a:tint val="75000"/>
+                  </a:schemeClr>
+                </a:solidFill>
+              </a:defRPr>
             </a:lvl9pPr>
           </a:lstStyle>
           <a:p>
             <a:r>
-              <a:rPr lang="en-US" smtClean="0"/>
+              <a:rPr lang="en-US"/>
               <a:t>Click to edit Master subtitle style</a:t>
             </a:r>
-            <a:endParaRPr lang="en-IN"/>
+            <a:endParaRPr lang="en-US" dirty="0"/>
           </a:p>
         </p:txBody>
       </p:sp>
@@ -242,7 +403,7 @@
           <a:p>
             <a:fld id="{FDFC611B-1B77-4785-AA8D-B532A9780E21}" type="datetimeFigureOut">
               <a:rPr lang="en-IN" smtClean="0"/>
-              <a:t>22-04-2021</a:t>
+              <a:t>25-04-2021</a:t>
             </a:fld>
             <a:endParaRPr lang="en-IN"/>
           </a:p>
@@ -293,7 +454,7 @@
     </p:spTree>
     <p:extLst>
       <p:ext uri="{BB962C8B-B14F-4D97-AF65-F5344CB8AC3E}">
-        <p14:creationId xmlns:p14="http://schemas.microsoft.com/office/powerpoint/2010/main" val="17976613"/>
+        <p14:creationId xmlns:p14="http://schemas.microsoft.com/office/powerpoint/2010/main" val="818795626"/>
       </p:ext>
     </p:extLst>
   </p:cSld>
@@ -304,6 +465,1181 @@
 </file>
 
 <file path=ppt/slideLayouts/slideLayout10.xml><?xml version="1.0" encoding="utf-8"?>
+<p:sldLayout xmlns:a="http://schemas.openxmlformats.org/drawingml/2006/main" xmlns:r="http://schemas.openxmlformats.org/officeDocument/2006/relationships" xmlns:p="http://schemas.openxmlformats.org/presentationml/2006/main" preserve="1">
+  <p:cSld name="Panoramic Picture with Caption">
+    <p:spTree>
+      <p:nvGrpSpPr>
+        <p:cNvPr id="1" name=""/>
+        <p:cNvGrpSpPr/>
+        <p:nvPr/>
+      </p:nvGrpSpPr>
+      <p:grpSpPr>
+        <a:xfrm>
+          <a:off x="0" y="0"/>
+          <a:ext cx="0" cy="0"/>
+          <a:chOff x="0" y="0"/>
+          <a:chExt cx="0" cy="0"/>
+        </a:xfrm>
+      </p:grpSpPr>
+      <p:sp>
+        <p:nvSpPr>
+          <p:cNvPr id="2" name="Title 1"/>
+          <p:cNvSpPr>
+            <a:spLocks noGrp="1"/>
+          </p:cNvSpPr>
+          <p:nvPr>
+            <p:ph type="title"/>
+          </p:nvPr>
+        </p:nvSpPr>
+        <p:spPr>
+          <a:xfrm>
+            <a:off x="810000" y="4800600"/>
+            <a:ext cx="10561418" cy="566738"/>
+          </a:xfrm>
+        </p:spPr>
+        <p:txBody>
+          <a:bodyPr anchor="b">
+            <a:normAutofit/>
+          </a:bodyPr>
+          <a:lstStyle>
+            <a:lvl1pPr algn="l">
+              <a:defRPr sz="2400" b="0"/>
+            </a:lvl1pPr>
+          </a:lstStyle>
+          <a:p>
+            <a:r>
+              <a:rPr lang="en-US"/>
+              <a:t>Click to edit Master title style</a:t>
+            </a:r>
+            <a:endParaRPr lang="en-US" dirty="0"/>
+          </a:p>
+        </p:txBody>
+      </p:sp>
+      <p:sp>
+        <p:nvSpPr>
+          <p:cNvPr id="15" name="Picture Placeholder 14"/>
+          <p:cNvSpPr>
+            <a:spLocks noGrp="1" noChangeAspect="1"/>
+          </p:cNvSpPr>
+          <p:nvPr>
+            <p:ph type="pic" sz="quarter" idx="13"/>
+          </p:nvPr>
+        </p:nvSpPr>
+        <p:spPr bwMode="auto">
+          <a:xfrm>
+            <a:off x="0" y="0"/>
+            <a:ext cx="12192000" cy="4800600"/>
+          </a:xfrm>
+          <a:custGeom>
+            <a:avLst/>
+            <a:gdLst/>
+            <a:ahLst/>
+            <a:cxnLst/>
+            <a:rect l="0" t="0" r="r" b="b"/>
+            <a:pathLst>
+              <a:path w="5760" h="3289">
+                <a:moveTo>
+                  <a:pt x="5760" y="0"/>
+                </a:moveTo>
+                <a:lnTo>
+                  <a:pt x="0" y="0"/>
+                </a:lnTo>
+                <a:lnTo>
+                  <a:pt x="0" y="3100"/>
+                </a:lnTo>
+                <a:lnTo>
+                  <a:pt x="943" y="3100"/>
+                </a:lnTo>
+                <a:lnTo>
+                  <a:pt x="1123" y="3281"/>
+                </a:lnTo>
+                <a:lnTo>
+                  <a:pt x="1123" y="3281"/>
+                </a:lnTo>
+                <a:lnTo>
+                  <a:pt x="1127" y="3283"/>
+                </a:lnTo>
+                <a:lnTo>
+                  <a:pt x="1133" y="3286"/>
+                </a:lnTo>
+                <a:lnTo>
+                  <a:pt x="1139" y="3289"/>
+                </a:lnTo>
+                <a:lnTo>
+                  <a:pt x="1144" y="3289"/>
+                </a:lnTo>
+                <a:lnTo>
+                  <a:pt x="1150" y="3289"/>
+                </a:lnTo>
+                <a:lnTo>
+                  <a:pt x="1155" y="3286"/>
+                </a:lnTo>
+                <a:lnTo>
+                  <a:pt x="1161" y="3283"/>
+                </a:lnTo>
+                <a:lnTo>
+                  <a:pt x="1165" y="3281"/>
+                </a:lnTo>
+                <a:lnTo>
+                  <a:pt x="1345" y="3100"/>
+                </a:lnTo>
+                <a:lnTo>
+                  <a:pt x="5760" y="3100"/>
+                </a:lnTo>
+                <a:lnTo>
+                  <a:pt x="5760" y="0"/>
+                </a:lnTo>
+                <a:close/>
+              </a:path>
+            </a:pathLst>
+          </a:custGeom>
+          <a:noFill/>
+          <a:ln>
+            <a:solidFill>
+              <a:schemeClr val="tx2"/>
+            </a:solidFill>
+          </a:ln>
+        </p:spPr>
+        <p:style>
+          <a:lnRef idx="1">
+            <a:schemeClr val="accent1"/>
+          </a:lnRef>
+          <a:fillRef idx="3">
+            <a:schemeClr val="accent1"/>
+          </a:fillRef>
+          <a:effectRef idx="2">
+            <a:schemeClr val="accent1"/>
+          </a:effectRef>
+          <a:fontRef idx="minor">
+            <a:schemeClr val="lt1"/>
+          </a:fontRef>
+        </p:style>
+        <p:txBody>
+          <a:bodyPr wrap="square" numCol="1" anchor="t" anchorCtr="0" compatLnSpc="1">
+            <a:prstTxWarp prst="textNoShape">
+              <a:avLst/>
+            </a:prstTxWarp>
+            <a:normAutofit/>
+          </a:bodyPr>
+          <a:lstStyle>
+            <a:lvl1pPr marL="0" indent="0" algn="ctr">
+              <a:buFontTx/>
+              <a:buNone/>
+              <a:defRPr sz="1600"/>
+            </a:lvl1pPr>
+          </a:lstStyle>
+          <a:p>
+            <a:r>
+              <a:rPr lang="en-US"/>
+              <a:t>Click icon to add picture</a:t>
+            </a:r>
+            <a:endParaRPr lang="en-US" dirty="0"/>
+          </a:p>
+        </p:txBody>
+      </p:sp>
+      <p:sp>
+        <p:nvSpPr>
+          <p:cNvPr id="4" name="Text Placeholder 3"/>
+          <p:cNvSpPr>
+            <a:spLocks noGrp="1"/>
+          </p:cNvSpPr>
+          <p:nvPr>
+            <p:ph type="body" sz="half" idx="2"/>
+          </p:nvPr>
+        </p:nvSpPr>
+        <p:spPr>
+          <a:xfrm>
+            <a:off x="810000" y="5367338"/>
+            <a:ext cx="10561418" cy="493712"/>
+          </a:xfrm>
+        </p:spPr>
+        <p:txBody>
+          <a:bodyPr>
+            <a:normAutofit/>
+          </a:bodyPr>
+          <a:lstStyle>
+            <a:lvl1pPr marL="0" indent="0">
+              <a:buNone/>
+              <a:defRPr sz="1200"/>
+            </a:lvl1pPr>
+            <a:lvl2pPr marL="457200" indent="0">
+              <a:buNone/>
+              <a:defRPr sz="1200"/>
+            </a:lvl2pPr>
+            <a:lvl3pPr marL="914400" indent="0">
+              <a:buNone/>
+              <a:defRPr sz="1000"/>
+            </a:lvl3pPr>
+            <a:lvl4pPr marL="1371600" indent="0">
+              <a:buNone/>
+              <a:defRPr sz="900"/>
+            </a:lvl4pPr>
+            <a:lvl5pPr marL="1828800" indent="0">
+              <a:buNone/>
+              <a:defRPr sz="900"/>
+            </a:lvl5pPr>
+            <a:lvl6pPr marL="2286000" indent="0">
+              <a:buNone/>
+              <a:defRPr sz="900"/>
+            </a:lvl6pPr>
+            <a:lvl7pPr marL="2743200" indent="0">
+              <a:buNone/>
+              <a:defRPr sz="900"/>
+            </a:lvl7pPr>
+            <a:lvl8pPr marL="3200400" indent="0">
+              <a:buNone/>
+              <a:defRPr sz="900"/>
+            </a:lvl8pPr>
+            <a:lvl9pPr marL="3657600" indent="0">
+              <a:buNone/>
+              <a:defRPr sz="900"/>
+            </a:lvl9pPr>
+          </a:lstStyle>
+          <a:p>
+            <a:pPr lvl="0"/>
+            <a:r>
+              <a:rPr lang="en-US"/>
+              <a:t>Click to edit Master text styles</a:t>
+            </a:r>
+          </a:p>
+        </p:txBody>
+      </p:sp>
+      <p:sp>
+        <p:nvSpPr>
+          <p:cNvPr id="5" name="Date Placeholder 4"/>
+          <p:cNvSpPr>
+            <a:spLocks noGrp="1"/>
+          </p:cNvSpPr>
+          <p:nvPr>
+            <p:ph type="dt" sz="half" idx="10"/>
+          </p:nvPr>
+        </p:nvSpPr>
+        <p:spPr/>
+        <p:txBody>
+          <a:bodyPr/>
+          <a:lstStyle/>
+          <a:p>
+            <a:fld id="{FDFC611B-1B77-4785-AA8D-B532A9780E21}" type="datetimeFigureOut">
+              <a:rPr lang="en-IN" smtClean="0"/>
+              <a:t>25-04-2021</a:t>
+            </a:fld>
+            <a:endParaRPr lang="en-IN"/>
+          </a:p>
+        </p:txBody>
+      </p:sp>
+      <p:sp>
+        <p:nvSpPr>
+          <p:cNvPr id="6" name="Footer Placeholder 5"/>
+          <p:cNvSpPr>
+            <a:spLocks noGrp="1"/>
+          </p:cNvSpPr>
+          <p:nvPr>
+            <p:ph type="ftr" sz="quarter" idx="11"/>
+          </p:nvPr>
+        </p:nvSpPr>
+        <p:spPr/>
+        <p:txBody>
+          <a:bodyPr/>
+          <a:lstStyle/>
+          <a:p>
+            <a:endParaRPr lang="en-IN"/>
+          </a:p>
+        </p:txBody>
+      </p:sp>
+      <p:sp>
+        <p:nvSpPr>
+          <p:cNvPr id="7" name="Slide Number Placeholder 6"/>
+          <p:cNvSpPr>
+            <a:spLocks noGrp="1"/>
+          </p:cNvSpPr>
+          <p:nvPr>
+            <p:ph type="sldNum" sz="quarter" idx="12"/>
+          </p:nvPr>
+        </p:nvSpPr>
+        <p:spPr/>
+        <p:txBody>
+          <a:bodyPr/>
+          <a:lstStyle/>
+          <a:p>
+            <a:fld id="{E409DB84-E50A-47EF-BEDD-EED760C680CB}" type="slidenum">
+              <a:rPr lang="en-IN" smtClean="0"/>
+              <a:t>‹#›</a:t>
+            </a:fld>
+            <a:endParaRPr lang="en-IN"/>
+          </a:p>
+        </p:txBody>
+      </p:sp>
+    </p:spTree>
+    <p:extLst>
+      <p:ext uri="{BB962C8B-B14F-4D97-AF65-F5344CB8AC3E}">
+        <p14:creationId xmlns:p14="http://schemas.microsoft.com/office/powerpoint/2010/main" val="2977556207"/>
+      </p:ext>
+    </p:extLst>
+  </p:cSld>
+  <p:clrMapOvr>
+    <a:masterClrMapping/>
+  </p:clrMapOvr>
+</p:sldLayout>
+</file>
+
+<file path=ppt/slideLayouts/slideLayout11.xml><?xml version="1.0" encoding="utf-8"?>
+<p:sldLayout xmlns:a="http://schemas.openxmlformats.org/drawingml/2006/main" xmlns:r="http://schemas.openxmlformats.org/officeDocument/2006/relationships" xmlns:p="http://schemas.openxmlformats.org/presentationml/2006/main" preserve="1">
+  <p:cSld name="Quote with Caption">
+    <p:spTree>
+      <p:nvGrpSpPr>
+        <p:cNvPr id="1" name=""/>
+        <p:cNvGrpSpPr/>
+        <p:nvPr/>
+      </p:nvGrpSpPr>
+      <p:grpSpPr>
+        <a:xfrm>
+          <a:off x="0" y="0"/>
+          <a:ext cx="0" cy="0"/>
+          <a:chOff x="0" y="0"/>
+          <a:chExt cx="0" cy="0"/>
+        </a:xfrm>
+      </p:grpSpPr>
+      <p:sp>
+        <p:nvSpPr>
+          <p:cNvPr id="8" name="Freeform 6"/>
+          <p:cNvSpPr>
+            <a:spLocks noChangeAspect="1"/>
+          </p:cNvSpPr>
+          <p:nvPr/>
+        </p:nvSpPr>
+        <p:spPr bwMode="auto">
+          <a:xfrm>
+            <a:off x="631697" y="1081456"/>
+            <a:ext cx="6332416" cy="3239188"/>
+          </a:xfrm>
+          <a:custGeom>
+            <a:avLst/>
+            <a:gdLst/>
+            <a:ahLst/>
+            <a:cxnLst/>
+            <a:rect l="0" t="0" r="r" b="b"/>
+            <a:pathLst>
+              <a:path w="3384" h="2308">
+                <a:moveTo>
+                  <a:pt x="3340" y="0"/>
+                </a:moveTo>
+                <a:lnTo>
+                  <a:pt x="44" y="0"/>
+                </a:lnTo>
+                <a:lnTo>
+                  <a:pt x="44" y="0"/>
+                </a:lnTo>
+                <a:lnTo>
+                  <a:pt x="34" y="0"/>
+                </a:lnTo>
+                <a:lnTo>
+                  <a:pt x="26" y="4"/>
+                </a:lnTo>
+                <a:lnTo>
+                  <a:pt x="20" y="8"/>
+                </a:lnTo>
+                <a:lnTo>
+                  <a:pt x="12" y="12"/>
+                </a:lnTo>
+                <a:lnTo>
+                  <a:pt x="8" y="20"/>
+                </a:lnTo>
+                <a:lnTo>
+                  <a:pt x="4" y="26"/>
+                </a:lnTo>
+                <a:lnTo>
+                  <a:pt x="0" y="34"/>
+                </a:lnTo>
+                <a:lnTo>
+                  <a:pt x="0" y="44"/>
+                </a:lnTo>
+                <a:lnTo>
+                  <a:pt x="0" y="2076"/>
+                </a:lnTo>
+                <a:lnTo>
+                  <a:pt x="0" y="2076"/>
+                </a:lnTo>
+                <a:lnTo>
+                  <a:pt x="0" y="2086"/>
+                </a:lnTo>
+                <a:lnTo>
+                  <a:pt x="4" y="2094"/>
+                </a:lnTo>
+                <a:lnTo>
+                  <a:pt x="8" y="2100"/>
+                </a:lnTo>
+                <a:lnTo>
+                  <a:pt x="12" y="2108"/>
+                </a:lnTo>
+                <a:lnTo>
+                  <a:pt x="20" y="2112"/>
+                </a:lnTo>
+                <a:lnTo>
+                  <a:pt x="26" y="2116"/>
+                </a:lnTo>
+                <a:lnTo>
+                  <a:pt x="34" y="2120"/>
+                </a:lnTo>
+                <a:lnTo>
+                  <a:pt x="44" y="2120"/>
+                </a:lnTo>
+                <a:lnTo>
+                  <a:pt x="474" y="2120"/>
+                </a:lnTo>
+                <a:lnTo>
+                  <a:pt x="650" y="2296"/>
+                </a:lnTo>
+                <a:lnTo>
+                  <a:pt x="650" y="2296"/>
+                </a:lnTo>
+                <a:lnTo>
+                  <a:pt x="656" y="2300"/>
+                </a:lnTo>
+                <a:lnTo>
+                  <a:pt x="664" y="2304"/>
+                </a:lnTo>
+                <a:lnTo>
+                  <a:pt x="672" y="2308"/>
+                </a:lnTo>
+                <a:lnTo>
+                  <a:pt x="680" y="2308"/>
+                </a:lnTo>
+                <a:lnTo>
+                  <a:pt x="688" y="2308"/>
+                </a:lnTo>
+                <a:lnTo>
+                  <a:pt x="696" y="2304"/>
+                </a:lnTo>
+                <a:lnTo>
+                  <a:pt x="704" y="2300"/>
+                </a:lnTo>
+                <a:lnTo>
+                  <a:pt x="710" y="2296"/>
+                </a:lnTo>
+                <a:lnTo>
+                  <a:pt x="886" y="2120"/>
+                </a:lnTo>
+                <a:lnTo>
+                  <a:pt x="3340" y="2120"/>
+                </a:lnTo>
+                <a:lnTo>
+                  <a:pt x="3340" y="2120"/>
+                </a:lnTo>
+                <a:lnTo>
+                  <a:pt x="3350" y="2120"/>
+                </a:lnTo>
+                <a:lnTo>
+                  <a:pt x="3358" y="2116"/>
+                </a:lnTo>
+                <a:lnTo>
+                  <a:pt x="3364" y="2112"/>
+                </a:lnTo>
+                <a:lnTo>
+                  <a:pt x="3372" y="2108"/>
+                </a:lnTo>
+                <a:lnTo>
+                  <a:pt x="3376" y="2100"/>
+                </a:lnTo>
+                <a:lnTo>
+                  <a:pt x="3380" y="2094"/>
+                </a:lnTo>
+                <a:lnTo>
+                  <a:pt x="3384" y="2086"/>
+                </a:lnTo>
+                <a:lnTo>
+                  <a:pt x="3384" y="2076"/>
+                </a:lnTo>
+                <a:lnTo>
+                  <a:pt x="3384" y="44"/>
+                </a:lnTo>
+                <a:lnTo>
+                  <a:pt x="3384" y="44"/>
+                </a:lnTo>
+                <a:lnTo>
+                  <a:pt x="3384" y="34"/>
+                </a:lnTo>
+                <a:lnTo>
+                  <a:pt x="3380" y="26"/>
+                </a:lnTo>
+                <a:lnTo>
+                  <a:pt x="3376" y="20"/>
+                </a:lnTo>
+                <a:lnTo>
+                  <a:pt x="3372" y="12"/>
+                </a:lnTo>
+                <a:lnTo>
+                  <a:pt x="3364" y="8"/>
+                </a:lnTo>
+                <a:lnTo>
+                  <a:pt x="3358" y="4"/>
+                </a:lnTo>
+                <a:lnTo>
+                  <a:pt x="3350" y="0"/>
+                </a:lnTo>
+                <a:lnTo>
+                  <a:pt x="3340" y="0"/>
+                </a:lnTo>
+                <a:lnTo>
+                  <a:pt x="3340" y="0"/>
+                </a:lnTo>
+                <a:close/>
+              </a:path>
+            </a:pathLst>
+          </a:custGeom>
+          <a:ln>
+            <a:solidFill>
+              <a:schemeClr val="accent1"/>
+            </a:solidFill>
+          </a:ln>
+        </p:spPr>
+        <p:style>
+          <a:lnRef idx="1">
+            <a:schemeClr val="accent1"/>
+          </a:lnRef>
+          <a:fillRef idx="3">
+            <a:schemeClr val="accent1"/>
+          </a:fillRef>
+          <a:effectRef idx="2">
+            <a:schemeClr val="accent1"/>
+          </a:effectRef>
+          <a:fontRef idx="minor">
+            <a:schemeClr val="lt1"/>
+          </a:fontRef>
+        </p:style>
+      </p:sp>
+      <p:sp>
+        <p:nvSpPr>
+          <p:cNvPr id="2" name="Title 1"/>
+          <p:cNvSpPr>
+            <a:spLocks noGrp="1"/>
+          </p:cNvSpPr>
+          <p:nvPr>
+            <p:ph type="title"/>
+          </p:nvPr>
+        </p:nvSpPr>
+        <p:spPr>
+          <a:xfrm>
+            <a:off x="850985" y="1238502"/>
+            <a:ext cx="5893840" cy="2645912"/>
+          </a:xfrm>
+        </p:spPr>
+        <p:txBody>
+          <a:bodyPr anchor="b"/>
+          <a:lstStyle>
+            <a:lvl1pPr algn="l">
+              <a:defRPr sz="4200" b="1" cap="none"/>
+            </a:lvl1pPr>
+          </a:lstStyle>
+          <a:p>
+            <a:r>
+              <a:rPr lang="en-US"/>
+              <a:t>Click to edit Master title style</a:t>
+            </a:r>
+            <a:endParaRPr lang="en-US" dirty="0"/>
+          </a:p>
+        </p:txBody>
+      </p:sp>
+      <p:sp>
+        <p:nvSpPr>
+          <p:cNvPr id="3" name="Text Placeholder 2"/>
+          <p:cNvSpPr>
+            <a:spLocks noGrp="1"/>
+          </p:cNvSpPr>
+          <p:nvPr>
+            <p:ph type="body" idx="1"/>
+          </p:nvPr>
+        </p:nvSpPr>
+        <p:spPr>
+          <a:xfrm>
+            <a:off x="853190" y="4443680"/>
+            <a:ext cx="5891636" cy="713241"/>
+          </a:xfrm>
+        </p:spPr>
+        <p:txBody>
+          <a:bodyPr anchor="t">
+            <a:noAutofit/>
+          </a:bodyPr>
+          <a:lstStyle>
+            <a:lvl1pPr marL="0" indent="0" algn="l">
+              <a:buNone/>
+              <a:defRPr sz="1800">
+                <a:solidFill>
+                  <a:schemeClr val="tx1"/>
+                </a:solidFill>
+              </a:defRPr>
+            </a:lvl1pPr>
+            <a:lvl2pPr marL="457200" indent="0">
+              <a:buNone/>
+              <a:defRPr sz="1800">
+                <a:solidFill>
+                  <a:schemeClr val="tx1">
+                    <a:tint val="75000"/>
+                  </a:schemeClr>
+                </a:solidFill>
+              </a:defRPr>
+            </a:lvl2pPr>
+            <a:lvl3pPr marL="914400" indent="0">
+              <a:buNone/>
+              <a:defRPr sz="1600">
+                <a:solidFill>
+                  <a:schemeClr val="tx1">
+                    <a:tint val="75000"/>
+                  </a:schemeClr>
+                </a:solidFill>
+              </a:defRPr>
+            </a:lvl3pPr>
+            <a:lvl4pPr marL="1371600" indent="0">
+              <a:buNone/>
+              <a:defRPr sz="1400">
+                <a:solidFill>
+                  <a:schemeClr val="tx1">
+                    <a:tint val="75000"/>
+                  </a:schemeClr>
+                </a:solidFill>
+              </a:defRPr>
+            </a:lvl4pPr>
+            <a:lvl5pPr marL="1828800" indent="0">
+              <a:buNone/>
+              <a:defRPr sz="1400">
+                <a:solidFill>
+                  <a:schemeClr val="tx1">
+                    <a:tint val="75000"/>
+                  </a:schemeClr>
+                </a:solidFill>
+              </a:defRPr>
+            </a:lvl5pPr>
+            <a:lvl6pPr marL="2286000" indent="0">
+              <a:buNone/>
+              <a:defRPr sz="1400">
+                <a:solidFill>
+                  <a:schemeClr val="tx1">
+                    <a:tint val="75000"/>
+                  </a:schemeClr>
+                </a:solidFill>
+              </a:defRPr>
+            </a:lvl6pPr>
+            <a:lvl7pPr marL="2743200" indent="0">
+              <a:buNone/>
+              <a:defRPr sz="1400">
+                <a:solidFill>
+                  <a:schemeClr val="tx1">
+                    <a:tint val="75000"/>
+                  </a:schemeClr>
+                </a:solidFill>
+              </a:defRPr>
+            </a:lvl7pPr>
+            <a:lvl8pPr marL="3200400" indent="0">
+              <a:buNone/>
+              <a:defRPr sz="1400">
+                <a:solidFill>
+                  <a:schemeClr val="tx1">
+                    <a:tint val="75000"/>
+                  </a:schemeClr>
+                </a:solidFill>
+              </a:defRPr>
+            </a:lvl8pPr>
+            <a:lvl9pPr marL="3657600" indent="0">
+              <a:buNone/>
+              <a:defRPr sz="1400">
+                <a:solidFill>
+                  <a:schemeClr val="tx1">
+                    <a:tint val="75000"/>
+                  </a:schemeClr>
+                </a:solidFill>
+              </a:defRPr>
+            </a:lvl9pPr>
+          </a:lstStyle>
+          <a:p>
+            <a:pPr lvl="0"/>
+            <a:r>
+              <a:rPr lang="en-US"/>
+              <a:t>Click to edit Master text styles</a:t>
+            </a:r>
+          </a:p>
+        </p:txBody>
+      </p:sp>
+      <p:sp>
+        <p:nvSpPr>
+          <p:cNvPr id="9" name="Text Placeholder 5"/>
+          <p:cNvSpPr>
+            <a:spLocks noGrp="1"/>
+          </p:cNvSpPr>
+          <p:nvPr>
+            <p:ph type="body" sz="quarter" idx="16"/>
+          </p:nvPr>
+        </p:nvSpPr>
+        <p:spPr>
+          <a:xfrm>
+            <a:off x="7574642" y="1081456"/>
+            <a:ext cx="3810001" cy="4075465"/>
+          </a:xfrm>
+        </p:spPr>
+        <p:txBody>
+          <a:bodyPr anchor="t"/>
+          <a:lstStyle>
+            <a:lvl1pPr marL="0" indent="0">
+              <a:buFontTx/>
+              <a:buNone/>
+              <a:defRPr/>
+            </a:lvl1pPr>
+          </a:lstStyle>
+          <a:p>
+            <a:pPr lvl="0"/>
+            <a:r>
+              <a:rPr lang="en-US"/>
+              <a:t>Click to edit Master text styles</a:t>
+            </a:r>
+          </a:p>
+        </p:txBody>
+      </p:sp>
+      <p:sp>
+        <p:nvSpPr>
+          <p:cNvPr id="4" name="Date Placeholder 3"/>
+          <p:cNvSpPr>
+            <a:spLocks noGrp="1"/>
+          </p:cNvSpPr>
+          <p:nvPr>
+            <p:ph type="dt" sz="half" idx="10"/>
+          </p:nvPr>
+        </p:nvSpPr>
+        <p:spPr/>
+        <p:txBody>
+          <a:bodyPr/>
+          <a:lstStyle/>
+          <a:p>
+            <a:fld id="{FDFC611B-1B77-4785-AA8D-B532A9780E21}" type="datetimeFigureOut">
+              <a:rPr lang="en-IN" smtClean="0"/>
+              <a:t>25-04-2021</a:t>
+            </a:fld>
+            <a:endParaRPr lang="en-IN"/>
+          </a:p>
+        </p:txBody>
+      </p:sp>
+      <p:sp>
+        <p:nvSpPr>
+          <p:cNvPr id="5" name="Footer Placeholder 4"/>
+          <p:cNvSpPr>
+            <a:spLocks noGrp="1"/>
+          </p:cNvSpPr>
+          <p:nvPr>
+            <p:ph type="ftr" sz="quarter" idx="11"/>
+          </p:nvPr>
+        </p:nvSpPr>
+        <p:spPr/>
+        <p:txBody>
+          <a:bodyPr/>
+          <a:lstStyle/>
+          <a:p>
+            <a:endParaRPr lang="en-IN"/>
+          </a:p>
+        </p:txBody>
+      </p:sp>
+      <p:sp>
+        <p:nvSpPr>
+          <p:cNvPr id="6" name="Slide Number Placeholder 5"/>
+          <p:cNvSpPr>
+            <a:spLocks noGrp="1"/>
+          </p:cNvSpPr>
+          <p:nvPr>
+            <p:ph type="sldNum" sz="quarter" idx="12"/>
+          </p:nvPr>
+        </p:nvSpPr>
+        <p:spPr/>
+        <p:txBody>
+          <a:bodyPr/>
+          <a:lstStyle/>
+          <a:p>
+            <a:fld id="{E409DB84-E50A-47EF-BEDD-EED760C680CB}" type="slidenum">
+              <a:rPr lang="en-IN" smtClean="0"/>
+              <a:t>‹#›</a:t>
+            </a:fld>
+            <a:endParaRPr lang="en-IN"/>
+          </a:p>
+        </p:txBody>
+      </p:sp>
+    </p:spTree>
+    <p:extLst>
+      <p:ext uri="{BB962C8B-B14F-4D97-AF65-F5344CB8AC3E}">
+        <p14:creationId xmlns:p14="http://schemas.microsoft.com/office/powerpoint/2010/main" val="3901026328"/>
+      </p:ext>
+    </p:extLst>
+  </p:cSld>
+  <p:clrMapOvr>
+    <a:masterClrMapping/>
+  </p:clrMapOvr>
+</p:sldLayout>
+</file>
+
+<file path=ppt/slideLayouts/slideLayout12.xml><?xml version="1.0" encoding="utf-8"?>
+<p:sldLayout xmlns:a="http://schemas.openxmlformats.org/drawingml/2006/main" xmlns:r="http://schemas.openxmlformats.org/officeDocument/2006/relationships" xmlns:p="http://schemas.openxmlformats.org/presentationml/2006/main" preserve="1">
+  <p:cSld name="Name Card">
+    <p:spTree>
+      <p:nvGrpSpPr>
+        <p:cNvPr id="1" name=""/>
+        <p:cNvGrpSpPr/>
+        <p:nvPr/>
+      </p:nvGrpSpPr>
+      <p:grpSpPr>
+        <a:xfrm>
+          <a:off x="0" y="0"/>
+          <a:ext cx="0" cy="0"/>
+          <a:chOff x="0" y="0"/>
+          <a:chExt cx="0" cy="0"/>
+        </a:xfrm>
+      </p:grpSpPr>
+      <p:sp>
+        <p:nvSpPr>
+          <p:cNvPr id="9" name="Freeform 6"/>
+          <p:cNvSpPr>
+            <a:spLocks noChangeAspect="1"/>
+          </p:cNvSpPr>
+          <p:nvPr/>
+        </p:nvSpPr>
+        <p:spPr bwMode="auto">
+          <a:xfrm>
+            <a:off x="1140884" y="2286585"/>
+            <a:ext cx="4895115" cy="2503972"/>
+          </a:xfrm>
+          <a:custGeom>
+            <a:avLst/>
+            <a:gdLst/>
+            <a:ahLst/>
+            <a:cxnLst/>
+            <a:rect l="0" t="0" r="r" b="b"/>
+            <a:pathLst>
+              <a:path w="3384" h="2308">
+                <a:moveTo>
+                  <a:pt x="3340" y="0"/>
+                </a:moveTo>
+                <a:lnTo>
+                  <a:pt x="44" y="0"/>
+                </a:lnTo>
+                <a:lnTo>
+                  <a:pt x="44" y="0"/>
+                </a:lnTo>
+                <a:lnTo>
+                  <a:pt x="34" y="0"/>
+                </a:lnTo>
+                <a:lnTo>
+                  <a:pt x="26" y="4"/>
+                </a:lnTo>
+                <a:lnTo>
+                  <a:pt x="20" y="8"/>
+                </a:lnTo>
+                <a:lnTo>
+                  <a:pt x="12" y="12"/>
+                </a:lnTo>
+                <a:lnTo>
+                  <a:pt x="8" y="20"/>
+                </a:lnTo>
+                <a:lnTo>
+                  <a:pt x="4" y="26"/>
+                </a:lnTo>
+                <a:lnTo>
+                  <a:pt x="0" y="34"/>
+                </a:lnTo>
+                <a:lnTo>
+                  <a:pt x="0" y="44"/>
+                </a:lnTo>
+                <a:lnTo>
+                  <a:pt x="0" y="2076"/>
+                </a:lnTo>
+                <a:lnTo>
+                  <a:pt x="0" y="2076"/>
+                </a:lnTo>
+                <a:lnTo>
+                  <a:pt x="0" y="2086"/>
+                </a:lnTo>
+                <a:lnTo>
+                  <a:pt x="4" y="2094"/>
+                </a:lnTo>
+                <a:lnTo>
+                  <a:pt x="8" y="2100"/>
+                </a:lnTo>
+                <a:lnTo>
+                  <a:pt x="12" y="2108"/>
+                </a:lnTo>
+                <a:lnTo>
+                  <a:pt x="20" y="2112"/>
+                </a:lnTo>
+                <a:lnTo>
+                  <a:pt x="26" y="2116"/>
+                </a:lnTo>
+                <a:lnTo>
+                  <a:pt x="34" y="2120"/>
+                </a:lnTo>
+                <a:lnTo>
+                  <a:pt x="44" y="2120"/>
+                </a:lnTo>
+                <a:lnTo>
+                  <a:pt x="474" y="2120"/>
+                </a:lnTo>
+                <a:lnTo>
+                  <a:pt x="650" y="2296"/>
+                </a:lnTo>
+                <a:lnTo>
+                  <a:pt x="650" y="2296"/>
+                </a:lnTo>
+                <a:lnTo>
+                  <a:pt x="656" y="2300"/>
+                </a:lnTo>
+                <a:lnTo>
+                  <a:pt x="664" y="2304"/>
+                </a:lnTo>
+                <a:lnTo>
+                  <a:pt x="672" y="2308"/>
+                </a:lnTo>
+                <a:lnTo>
+                  <a:pt x="680" y="2308"/>
+                </a:lnTo>
+                <a:lnTo>
+                  <a:pt x="688" y="2308"/>
+                </a:lnTo>
+                <a:lnTo>
+                  <a:pt x="696" y="2304"/>
+                </a:lnTo>
+                <a:lnTo>
+                  <a:pt x="704" y="2300"/>
+                </a:lnTo>
+                <a:lnTo>
+                  <a:pt x="710" y="2296"/>
+                </a:lnTo>
+                <a:lnTo>
+                  <a:pt x="886" y="2120"/>
+                </a:lnTo>
+                <a:lnTo>
+                  <a:pt x="3340" y="2120"/>
+                </a:lnTo>
+                <a:lnTo>
+                  <a:pt x="3340" y="2120"/>
+                </a:lnTo>
+                <a:lnTo>
+                  <a:pt x="3350" y="2120"/>
+                </a:lnTo>
+                <a:lnTo>
+                  <a:pt x="3358" y="2116"/>
+                </a:lnTo>
+                <a:lnTo>
+                  <a:pt x="3364" y="2112"/>
+                </a:lnTo>
+                <a:lnTo>
+                  <a:pt x="3372" y="2108"/>
+                </a:lnTo>
+                <a:lnTo>
+                  <a:pt x="3376" y="2100"/>
+                </a:lnTo>
+                <a:lnTo>
+                  <a:pt x="3380" y="2094"/>
+                </a:lnTo>
+                <a:lnTo>
+                  <a:pt x="3384" y="2086"/>
+                </a:lnTo>
+                <a:lnTo>
+                  <a:pt x="3384" y="2076"/>
+                </a:lnTo>
+                <a:lnTo>
+                  <a:pt x="3384" y="44"/>
+                </a:lnTo>
+                <a:lnTo>
+                  <a:pt x="3384" y="44"/>
+                </a:lnTo>
+                <a:lnTo>
+                  <a:pt x="3384" y="34"/>
+                </a:lnTo>
+                <a:lnTo>
+                  <a:pt x="3380" y="26"/>
+                </a:lnTo>
+                <a:lnTo>
+                  <a:pt x="3376" y="20"/>
+                </a:lnTo>
+                <a:lnTo>
+                  <a:pt x="3372" y="12"/>
+                </a:lnTo>
+                <a:lnTo>
+                  <a:pt x="3364" y="8"/>
+                </a:lnTo>
+                <a:lnTo>
+                  <a:pt x="3358" y="4"/>
+                </a:lnTo>
+                <a:lnTo>
+                  <a:pt x="3350" y="0"/>
+                </a:lnTo>
+                <a:lnTo>
+                  <a:pt x="3340" y="0"/>
+                </a:lnTo>
+                <a:lnTo>
+                  <a:pt x="3340" y="0"/>
+                </a:lnTo>
+                <a:close/>
+              </a:path>
+            </a:pathLst>
+          </a:custGeom>
+          <a:ln>
+            <a:solidFill>
+              <a:schemeClr val="accent1"/>
+            </a:solidFill>
+          </a:ln>
+        </p:spPr>
+        <p:style>
+          <a:lnRef idx="1">
+            <a:schemeClr val="accent1"/>
+          </a:lnRef>
+          <a:fillRef idx="3">
+            <a:schemeClr val="accent1"/>
+          </a:fillRef>
+          <a:effectRef idx="2">
+            <a:schemeClr val="accent1"/>
+          </a:effectRef>
+          <a:fontRef idx="minor">
+            <a:schemeClr val="lt1"/>
+          </a:fontRef>
+        </p:style>
+      </p:sp>
+      <p:sp>
+        <p:nvSpPr>
+          <p:cNvPr id="38" name="Title 1"/>
+          <p:cNvSpPr>
+            <a:spLocks noGrp="1"/>
+          </p:cNvSpPr>
+          <p:nvPr>
+            <p:ph type="title"/>
+          </p:nvPr>
+        </p:nvSpPr>
+        <p:spPr>
+          <a:xfrm>
+            <a:off x="1357089" y="2435957"/>
+            <a:ext cx="4382521" cy="2007789"/>
+          </a:xfrm>
+        </p:spPr>
+        <p:txBody>
+          <a:bodyPr/>
+          <a:lstStyle>
+            <a:lvl1pPr>
+              <a:defRPr sz="3200"/>
+            </a:lvl1pPr>
+          </a:lstStyle>
+          <a:p>
+            <a:r>
+              <a:rPr lang="en-US"/>
+              <a:t>Click to edit Master title style</a:t>
+            </a:r>
+            <a:endParaRPr lang="en-US" dirty="0"/>
+          </a:p>
+        </p:txBody>
+      </p:sp>
+      <p:sp>
+        <p:nvSpPr>
+          <p:cNvPr id="6" name="Text Placeholder 5"/>
+          <p:cNvSpPr>
+            <a:spLocks noGrp="1"/>
+          </p:cNvSpPr>
+          <p:nvPr>
+            <p:ph type="body" sz="quarter" idx="16"/>
+          </p:nvPr>
+        </p:nvSpPr>
+        <p:spPr>
+          <a:xfrm>
+            <a:off x="6156000" y="2286000"/>
+            <a:ext cx="4880300" cy="2295525"/>
+          </a:xfrm>
+        </p:spPr>
+        <p:txBody>
+          <a:bodyPr anchor="t"/>
+          <a:lstStyle>
+            <a:lvl1pPr marL="0" indent="0">
+              <a:buFontTx/>
+              <a:buNone/>
+              <a:defRPr/>
+            </a:lvl1pPr>
+          </a:lstStyle>
+          <a:p>
+            <a:pPr lvl="0"/>
+            <a:r>
+              <a:rPr lang="en-US"/>
+              <a:t>Click to edit Master text styles</a:t>
+            </a:r>
+          </a:p>
+        </p:txBody>
+      </p:sp>
+      <p:sp>
+        <p:nvSpPr>
+          <p:cNvPr id="2" name="Date Placeholder 1"/>
+          <p:cNvSpPr>
+            <a:spLocks noGrp="1"/>
+          </p:cNvSpPr>
+          <p:nvPr>
+            <p:ph type="dt" sz="half" idx="10"/>
+          </p:nvPr>
+        </p:nvSpPr>
+        <p:spPr/>
+        <p:txBody>
+          <a:bodyPr/>
+          <a:lstStyle/>
+          <a:p>
+            <a:fld id="{FDFC611B-1B77-4785-AA8D-B532A9780E21}" type="datetimeFigureOut">
+              <a:rPr lang="en-IN" smtClean="0"/>
+              <a:t>25-04-2021</a:t>
+            </a:fld>
+            <a:endParaRPr lang="en-IN"/>
+          </a:p>
+        </p:txBody>
+      </p:sp>
+      <p:sp>
+        <p:nvSpPr>
+          <p:cNvPr id="3" name="Footer Placeholder 2"/>
+          <p:cNvSpPr>
+            <a:spLocks noGrp="1"/>
+          </p:cNvSpPr>
+          <p:nvPr>
+            <p:ph type="ftr" sz="quarter" idx="11"/>
+          </p:nvPr>
+        </p:nvSpPr>
+        <p:spPr/>
+        <p:txBody>
+          <a:bodyPr/>
+          <a:lstStyle/>
+          <a:p>
+            <a:endParaRPr lang="en-IN"/>
+          </a:p>
+        </p:txBody>
+      </p:sp>
+      <p:sp>
+        <p:nvSpPr>
+          <p:cNvPr id="4" name="Slide Number Placeholder 3"/>
+          <p:cNvSpPr>
+            <a:spLocks noGrp="1"/>
+          </p:cNvSpPr>
+          <p:nvPr>
+            <p:ph type="sldNum" sz="quarter" idx="12"/>
+          </p:nvPr>
+        </p:nvSpPr>
+        <p:spPr/>
+        <p:txBody>
+          <a:bodyPr/>
+          <a:lstStyle/>
+          <a:p>
+            <a:fld id="{E409DB84-E50A-47EF-BEDD-EED760C680CB}" type="slidenum">
+              <a:rPr lang="en-IN" smtClean="0"/>
+              <a:t>‹#›</a:t>
+            </a:fld>
+            <a:endParaRPr lang="en-IN"/>
+          </a:p>
+        </p:txBody>
+      </p:sp>
+    </p:spTree>
+    <p:extLst>
+      <p:ext uri="{BB962C8B-B14F-4D97-AF65-F5344CB8AC3E}">
+        <p14:creationId xmlns:p14="http://schemas.microsoft.com/office/powerpoint/2010/main" val="3009052915"/>
+      </p:ext>
+    </p:extLst>
+  </p:cSld>
+  <p:clrMapOvr>
+    <a:masterClrMapping/>
+  </p:clrMapOvr>
+</p:sldLayout>
+</file>
+
+<file path=ppt/slideLayouts/slideLayout13.xml><?xml version="1.0" encoding="utf-8"?>
 <p:sldLayout xmlns:a="http://schemas.openxmlformats.org/drawingml/2006/main" xmlns:r="http://schemas.openxmlformats.org/officeDocument/2006/relationships" xmlns:p="http://schemas.openxmlformats.org/presentationml/2006/main" type="vertTx" preserve="1">
   <p:cSld name="Title and Vertical Text">
     <p:spTree>
@@ -322,6 +1658,109 @@
       </p:grpSpPr>
       <p:sp>
         <p:nvSpPr>
+          <p:cNvPr id="7" name="Freeform 6"/>
+          <p:cNvSpPr/>
+          <p:nvPr/>
+        </p:nvSpPr>
+        <p:spPr bwMode="auto">
+          <a:xfrm>
+            <a:off x="0" y="0"/>
+            <a:ext cx="12192000" cy="2185988"/>
+          </a:xfrm>
+          <a:custGeom>
+            <a:avLst/>
+            <a:gdLst/>
+            <a:ahLst/>
+            <a:cxnLst/>
+            <a:rect l="0" t="0" r="r" b="b"/>
+            <a:pathLst>
+              <a:path w="5760" h="1377">
+                <a:moveTo>
+                  <a:pt x="5760" y="0"/>
+                </a:moveTo>
+                <a:lnTo>
+                  <a:pt x="0" y="0"/>
+                </a:lnTo>
+                <a:lnTo>
+                  <a:pt x="0" y="1189"/>
+                </a:lnTo>
+                <a:lnTo>
+                  <a:pt x="943" y="1189"/>
+                </a:lnTo>
+                <a:lnTo>
+                  <a:pt x="1123" y="1369"/>
+                </a:lnTo>
+                <a:lnTo>
+                  <a:pt x="1123" y="1369"/>
+                </a:lnTo>
+                <a:lnTo>
+                  <a:pt x="1127" y="1371"/>
+                </a:lnTo>
+                <a:lnTo>
+                  <a:pt x="1133" y="1374"/>
+                </a:lnTo>
+                <a:lnTo>
+                  <a:pt x="1139" y="1377"/>
+                </a:lnTo>
+                <a:lnTo>
+                  <a:pt x="1144" y="1377"/>
+                </a:lnTo>
+                <a:lnTo>
+                  <a:pt x="1150" y="1377"/>
+                </a:lnTo>
+                <a:lnTo>
+                  <a:pt x="1155" y="1374"/>
+                </a:lnTo>
+                <a:lnTo>
+                  <a:pt x="1161" y="1371"/>
+                </a:lnTo>
+                <a:lnTo>
+                  <a:pt x="1165" y="1369"/>
+                </a:lnTo>
+                <a:lnTo>
+                  <a:pt x="1345" y="1189"/>
+                </a:lnTo>
+                <a:lnTo>
+                  <a:pt x="5760" y="1189"/>
+                </a:lnTo>
+                <a:lnTo>
+                  <a:pt x="5760" y="0"/>
+                </a:lnTo>
+                <a:close/>
+              </a:path>
+            </a:pathLst>
+          </a:custGeom>
+          <a:ln/>
+          <a:extLst>
+            <a:ext uri="{91240B29-F687-4f45-9708-019B960494DF}">
+              <a14:hiddenLine xmlns:a14="http://schemas.microsoft.com/office/drawing/2010/main" xmlns="" w="9525">
+                <a:solidFill>
+                  <a:srgbClr val="000000"/>
+                </a:solidFill>
+                <a:round/>
+                <a:headEnd/>
+                <a:tailEnd/>
+              </a14:hiddenLine>
+            </a:ext>
+          </a:extLst>
+        </p:spPr>
+        <p:style>
+          <a:lnRef idx="1">
+            <a:schemeClr val="accent1"/>
+          </a:lnRef>
+          <a:fillRef idx="3">
+            <a:schemeClr val="accent1"/>
+          </a:fillRef>
+          <a:effectRef idx="2">
+            <a:schemeClr val="accent1"/>
+          </a:effectRef>
+          <a:fontRef idx="minor">
+            <a:schemeClr val="lt1"/>
+          </a:fontRef>
+        </p:style>
+      </p:sp>
+      <p:sp>
+        <p:nvSpPr>
           <p:cNvPr id="2" name="Title 1"/>
           <p:cNvSpPr>
             <a:spLocks noGrp="1"/>
@@ -336,10 +1775,10 @@
           <a:lstStyle/>
           <a:p>
             <a:r>
-              <a:rPr lang="en-US" smtClean="0"/>
+              <a:rPr lang="en-US"/>
               <a:t>Click to edit Master title style</a:t>
             </a:r>
-            <a:endParaRPr lang="en-IN"/>
+            <a:endParaRPr lang="en-US" dirty="0"/>
           </a:p>
         </p:txBody>
       </p:sp>
@@ -355,43 +1794,43 @@
         </p:nvSpPr>
         <p:spPr/>
         <p:txBody>
-          <a:bodyPr vert="eaVert"/>
+          <a:bodyPr vert="eaVert" anchor="t"/>
           <a:lstStyle/>
           <a:p>
             <a:pPr lvl="0"/>
             <a:r>
-              <a:rPr lang="en-US" smtClean="0"/>
-              <a:t>Edit Master text styles</a:t>
+              <a:rPr lang="en-US"/>
+              <a:t>Click to edit Master text styles</a:t>
             </a:r>
           </a:p>
           <a:p>
             <a:pPr lvl="1"/>
             <a:r>
-              <a:rPr lang="en-US" smtClean="0"/>
+              <a:rPr lang="en-US"/>
               <a:t>Second level</a:t>
             </a:r>
           </a:p>
           <a:p>
             <a:pPr lvl="2"/>
             <a:r>
-              <a:rPr lang="en-US" smtClean="0"/>
+              <a:rPr lang="en-US"/>
               <a:t>Third level</a:t>
             </a:r>
           </a:p>
           <a:p>
             <a:pPr lvl="3"/>
             <a:r>
-              <a:rPr lang="en-US" smtClean="0"/>
+              <a:rPr lang="en-US"/>
               <a:t>Fourth level</a:t>
             </a:r>
           </a:p>
           <a:p>
             <a:pPr lvl="4"/>
             <a:r>
-              <a:rPr lang="en-US" smtClean="0"/>
+              <a:rPr lang="en-US"/>
               <a:t>Fifth level</a:t>
             </a:r>
-            <a:endParaRPr lang="en-IN"/>
+            <a:endParaRPr lang="en-US" dirty="0"/>
           </a:p>
         </p:txBody>
       </p:sp>
@@ -412,7 +1851,7 @@
           <a:p>
             <a:fld id="{FDFC611B-1B77-4785-AA8D-B532A9780E21}" type="datetimeFigureOut">
               <a:rPr lang="en-IN" smtClean="0"/>
-              <a:t>22-04-2021</a:t>
+              <a:t>25-04-2021</a:t>
             </a:fld>
             <a:endParaRPr lang="en-IN"/>
           </a:p>
@@ -463,7 +1902,7 @@
     </p:spTree>
     <p:extLst>
       <p:ext uri="{BB962C8B-B14F-4D97-AF65-F5344CB8AC3E}">
-        <p14:creationId xmlns:p14="http://schemas.microsoft.com/office/powerpoint/2010/main" val="943444820"/>
+        <p14:creationId xmlns:p14="http://schemas.microsoft.com/office/powerpoint/2010/main" val="4113254076"/>
       </p:ext>
     </p:extLst>
   </p:cSld>
@@ -473,7 +1912,7 @@
 </p:sldLayout>
 </file>
 
-<file path=ppt/slideLayouts/slideLayout11.xml><?xml version="1.0" encoding="utf-8"?>
+<file path=ppt/slideLayouts/slideLayout14.xml><?xml version="1.0" encoding="utf-8"?>
 <p:sldLayout xmlns:a="http://schemas.openxmlformats.org/drawingml/2006/main" xmlns:r="http://schemas.openxmlformats.org/officeDocument/2006/relationships" xmlns:p="http://schemas.openxmlformats.org/presentationml/2006/main" type="vertTitleAndTx" preserve="1">
   <p:cSld name="Vertical Title and Text">
     <p:spTree>
@@ -492,6 +1931,111 @@
       </p:grpSpPr>
       <p:sp>
         <p:nvSpPr>
+          <p:cNvPr id="12" name="Freeform 6"/>
+          <p:cNvSpPr>
+            <a:spLocks noChangeAspect="1"/>
+          </p:cNvSpPr>
+          <p:nvPr/>
+        </p:nvSpPr>
+        <p:spPr bwMode="auto">
+          <a:xfrm>
+            <a:off x="7669651" y="446089"/>
+            <a:ext cx="4522349" cy="5414962"/>
+          </a:xfrm>
+          <a:custGeom>
+            <a:avLst/>
+            <a:gdLst/>
+            <a:ahLst/>
+            <a:cxnLst/>
+            <a:rect l="0" t="0" r="r" b="b"/>
+            <a:pathLst>
+              <a:path w="2879" h="4320">
+                <a:moveTo>
+                  <a:pt x="183" y="0"/>
+                </a:moveTo>
+                <a:lnTo>
+                  <a:pt x="183" y="1197"/>
+                </a:lnTo>
+                <a:lnTo>
+                  <a:pt x="8" y="1372"/>
+                </a:lnTo>
+                <a:lnTo>
+                  <a:pt x="8" y="1372"/>
+                </a:lnTo>
+                <a:lnTo>
+                  <a:pt x="6" y="1376"/>
+                </a:lnTo>
+                <a:lnTo>
+                  <a:pt x="3" y="1382"/>
+                </a:lnTo>
+                <a:lnTo>
+                  <a:pt x="0" y="1387"/>
+                </a:lnTo>
+                <a:lnTo>
+                  <a:pt x="0" y="1393"/>
+                </a:lnTo>
+                <a:lnTo>
+                  <a:pt x="0" y="1399"/>
+                </a:lnTo>
+                <a:lnTo>
+                  <a:pt x="3" y="1404"/>
+                </a:lnTo>
+                <a:lnTo>
+                  <a:pt x="6" y="1410"/>
+                </a:lnTo>
+                <a:lnTo>
+                  <a:pt x="8" y="1414"/>
+                </a:lnTo>
+                <a:lnTo>
+                  <a:pt x="183" y="1589"/>
+                </a:lnTo>
+                <a:lnTo>
+                  <a:pt x="183" y="4320"/>
+                </a:lnTo>
+                <a:lnTo>
+                  <a:pt x="2879" y="4320"/>
+                </a:lnTo>
+                <a:lnTo>
+                  <a:pt x="2879" y="0"/>
+                </a:lnTo>
+                <a:lnTo>
+                  <a:pt x="183" y="0"/>
+                </a:lnTo>
+                <a:close/>
+              </a:path>
+            </a:pathLst>
+          </a:custGeom>
+          <a:ln/>
+          <a:extLst>
+            <a:ext uri="{91240B29-F687-4f45-9708-019B960494DF}">
+              <a14:hiddenLine xmlns:a14="http://schemas.microsoft.com/office/drawing/2010/main" xmlns="" w="9525">
+                <a:solidFill>
+                  <a:srgbClr val="000000"/>
+                </a:solidFill>
+                <a:round/>
+                <a:headEnd/>
+                <a:tailEnd/>
+              </a14:hiddenLine>
+            </a:ext>
+          </a:extLst>
+        </p:spPr>
+        <p:style>
+          <a:lnRef idx="1">
+            <a:schemeClr val="accent1"/>
+          </a:lnRef>
+          <a:fillRef idx="3">
+            <a:schemeClr val="accent1"/>
+          </a:fillRef>
+          <a:effectRef idx="2">
+            <a:schemeClr val="accent1"/>
+          </a:effectRef>
+          <a:fontRef idx="minor">
+            <a:schemeClr val="lt1"/>
+          </a:fontRef>
+        </p:style>
+      </p:sp>
+      <p:sp>
+        <p:nvSpPr>
           <p:cNvPr id="2" name="Vertical Title 1"/>
           <p:cNvSpPr>
             <a:spLocks noGrp="1"/>
@@ -502,8 +2046,8 @@
         </p:nvSpPr>
         <p:spPr>
           <a:xfrm>
-            <a:off x="8724900" y="365125"/>
-            <a:ext cx="2628900" cy="5811838"/>
+            <a:off x="8183540" y="586171"/>
+            <a:ext cx="2494791" cy="5134798"/>
           </a:xfrm>
         </p:spPr>
         <p:txBody>
@@ -511,10 +2055,10 @@
           <a:lstStyle/>
           <a:p>
             <a:r>
-              <a:rPr lang="en-US" smtClean="0"/>
+              <a:rPr lang="en-US"/>
               <a:t>Click to edit Master title style</a:t>
             </a:r>
-            <a:endParaRPr lang="en-IN"/>
+            <a:endParaRPr lang="en-US" dirty="0"/>
           </a:p>
         </p:txBody>
       </p:sp>
@@ -530,48 +2074,48 @@
         </p:nvSpPr>
         <p:spPr>
           <a:xfrm>
-            <a:off x="838200" y="365125"/>
-            <a:ext cx="7734300" cy="5811838"/>
+            <a:off x="810001" y="446089"/>
+            <a:ext cx="6611540" cy="5414962"/>
           </a:xfrm>
         </p:spPr>
         <p:txBody>
-          <a:bodyPr vert="eaVert"/>
+          <a:bodyPr vert="eaVert" anchor="t"/>
           <a:lstStyle/>
           <a:p>
             <a:pPr lvl="0"/>
             <a:r>
-              <a:rPr lang="en-US" smtClean="0"/>
-              <a:t>Edit Master text styles</a:t>
+              <a:rPr lang="en-US"/>
+              <a:t>Click to edit Master text styles</a:t>
             </a:r>
           </a:p>
           <a:p>
             <a:pPr lvl="1"/>
             <a:r>
-              <a:rPr lang="en-US" smtClean="0"/>
+              <a:rPr lang="en-US"/>
               <a:t>Second level</a:t>
             </a:r>
           </a:p>
           <a:p>
             <a:pPr lvl="2"/>
             <a:r>
-              <a:rPr lang="en-US" smtClean="0"/>
+              <a:rPr lang="en-US"/>
               <a:t>Third level</a:t>
             </a:r>
           </a:p>
           <a:p>
             <a:pPr lvl="3"/>
             <a:r>
-              <a:rPr lang="en-US" smtClean="0"/>
+              <a:rPr lang="en-US"/>
               <a:t>Fourth level</a:t>
             </a:r>
           </a:p>
           <a:p>
             <a:pPr lvl="4"/>
             <a:r>
-              <a:rPr lang="en-US" smtClean="0"/>
+              <a:rPr lang="en-US"/>
               <a:t>Fifth level</a:t>
             </a:r>
-            <a:endParaRPr lang="en-IN"/>
+            <a:endParaRPr lang="en-US" dirty="0"/>
           </a:p>
         </p:txBody>
       </p:sp>
@@ -592,7 +2136,7 @@
           <a:p>
             <a:fld id="{FDFC611B-1B77-4785-AA8D-B532A9780E21}" type="datetimeFigureOut">
               <a:rPr lang="en-IN" smtClean="0"/>
-              <a:t>22-04-2021</a:t>
+              <a:t>25-04-2021</a:t>
             </a:fld>
             <a:endParaRPr lang="en-IN"/>
           </a:p>
@@ -643,7 +2187,7 @@
     </p:spTree>
     <p:extLst>
       <p:ext uri="{BB962C8B-B14F-4D97-AF65-F5344CB8AC3E}">
-        <p14:creationId xmlns:p14="http://schemas.microsoft.com/office/powerpoint/2010/main" val="3536536212"/>
+        <p14:creationId xmlns:p14="http://schemas.microsoft.com/office/powerpoint/2010/main" val="3710138707"/>
       </p:ext>
     </p:extLst>
   </p:cSld>
@@ -672,6 +2216,109 @@
       </p:grpSpPr>
       <p:sp>
         <p:nvSpPr>
+          <p:cNvPr id="11" name="Freeform 6"/>
+          <p:cNvSpPr/>
+          <p:nvPr/>
+        </p:nvSpPr>
+        <p:spPr bwMode="auto">
+          <a:xfrm>
+            <a:off x="0" y="0"/>
+            <a:ext cx="12192000" cy="2185988"/>
+          </a:xfrm>
+          <a:custGeom>
+            <a:avLst/>
+            <a:gdLst/>
+            <a:ahLst/>
+            <a:cxnLst/>
+            <a:rect l="0" t="0" r="r" b="b"/>
+            <a:pathLst>
+              <a:path w="5760" h="1377">
+                <a:moveTo>
+                  <a:pt x="5760" y="0"/>
+                </a:moveTo>
+                <a:lnTo>
+                  <a:pt x="0" y="0"/>
+                </a:lnTo>
+                <a:lnTo>
+                  <a:pt x="0" y="1189"/>
+                </a:lnTo>
+                <a:lnTo>
+                  <a:pt x="943" y="1189"/>
+                </a:lnTo>
+                <a:lnTo>
+                  <a:pt x="1123" y="1369"/>
+                </a:lnTo>
+                <a:lnTo>
+                  <a:pt x="1123" y="1369"/>
+                </a:lnTo>
+                <a:lnTo>
+                  <a:pt x="1127" y="1371"/>
+                </a:lnTo>
+                <a:lnTo>
+                  <a:pt x="1133" y="1374"/>
+                </a:lnTo>
+                <a:lnTo>
+                  <a:pt x="1139" y="1377"/>
+                </a:lnTo>
+                <a:lnTo>
+                  <a:pt x="1144" y="1377"/>
+                </a:lnTo>
+                <a:lnTo>
+                  <a:pt x="1150" y="1377"/>
+                </a:lnTo>
+                <a:lnTo>
+                  <a:pt x="1155" y="1374"/>
+                </a:lnTo>
+                <a:lnTo>
+                  <a:pt x="1161" y="1371"/>
+                </a:lnTo>
+                <a:lnTo>
+                  <a:pt x="1165" y="1369"/>
+                </a:lnTo>
+                <a:lnTo>
+                  <a:pt x="1345" y="1189"/>
+                </a:lnTo>
+                <a:lnTo>
+                  <a:pt x="5760" y="1189"/>
+                </a:lnTo>
+                <a:lnTo>
+                  <a:pt x="5760" y="0"/>
+                </a:lnTo>
+                <a:close/>
+              </a:path>
+            </a:pathLst>
+          </a:custGeom>
+          <a:ln/>
+          <a:extLst>
+            <a:ext uri="{91240B29-F687-4f45-9708-019B960494DF}">
+              <a14:hiddenLine xmlns:a14="http://schemas.microsoft.com/office/drawing/2010/main" xmlns="" w="9525">
+                <a:solidFill>
+                  <a:srgbClr val="000000"/>
+                </a:solidFill>
+                <a:round/>
+                <a:headEnd/>
+                <a:tailEnd/>
+              </a14:hiddenLine>
+            </a:ext>
+          </a:extLst>
+        </p:spPr>
+        <p:style>
+          <a:lnRef idx="1">
+            <a:schemeClr val="accent1"/>
+          </a:lnRef>
+          <a:fillRef idx="3">
+            <a:schemeClr val="accent1"/>
+          </a:fillRef>
+          <a:effectRef idx="2">
+            <a:schemeClr val="accent1"/>
+          </a:effectRef>
+          <a:fontRef idx="minor">
+            <a:schemeClr val="lt1"/>
+          </a:fontRef>
+        </p:style>
+      </p:sp>
+      <p:sp>
+        <p:nvSpPr>
           <p:cNvPr id="2" name="Title 1"/>
           <p:cNvSpPr>
             <a:spLocks noGrp="1"/>
@@ -680,16 +2327,21 @@
             <p:ph type="title"/>
           </p:nvPr>
         </p:nvSpPr>
-        <p:spPr/>
+        <p:spPr>
+          <a:xfrm>
+            <a:off x="810000" y="447188"/>
+            <a:ext cx="10571998" cy="970450"/>
+          </a:xfrm>
+        </p:spPr>
         <p:txBody>
           <a:bodyPr/>
           <a:lstStyle/>
           <a:p>
             <a:r>
-              <a:rPr lang="en-US" smtClean="0"/>
+              <a:rPr lang="en-US"/>
               <a:t>Click to edit Master title style</a:t>
             </a:r>
-            <a:endParaRPr lang="en-IN"/>
+            <a:endParaRPr lang="en-US" dirty="0"/>
           </a:p>
         </p:txBody>
       </p:sp>
@@ -703,45 +2355,50 @@
             <p:ph idx="1"/>
           </p:nvPr>
         </p:nvSpPr>
-        <p:spPr/>
+        <p:spPr>
+          <a:xfrm>
+            <a:off x="818712" y="2222287"/>
+            <a:ext cx="10554574" cy="3636511"/>
+          </a:xfrm>
+        </p:spPr>
         <p:txBody>
           <a:bodyPr/>
           <a:lstStyle/>
           <a:p>
             <a:pPr lvl="0"/>
             <a:r>
-              <a:rPr lang="en-US" smtClean="0"/>
-              <a:t>Edit Master text styles</a:t>
+              <a:rPr lang="en-US"/>
+              <a:t>Click to edit Master text styles</a:t>
             </a:r>
           </a:p>
           <a:p>
             <a:pPr lvl="1"/>
             <a:r>
-              <a:rPr lang="en-US" smtClean="0"/>
+              <a:rPr lang="en-US"/>
               <a:t>Second level</a:t>
             </a:r>
           </a:p>
           <a:p>
             <a:pPr lvl="2"/>
             <a:r>
-              <a:rPr lang="en-US" smtClean="0"/>
+              <a:rPr lang="en-US"/>
               <a:t>Third level</a:t>
             </a:r>
           </a:p>
           <a:p>
             <a:pPr lvl="3"/>
             <a:r>
-              <a:rPr lang="en-US" smtClean="0"/>
+              <a:rPr lang="en-US"/>
               <a:t>Fourth level</a:t>
             </a:r>
           </a:p>
           <a:p>
             <a:pPr lvl="4"/>
             <a:r>
-              <a:rPr lang="en-US" smtClean="0"/>
+              <a:rPr lang="en-US"/>
               <a:t>Fifth level</a:t>
             </a:r>
-            <a:endParaRPr lang="en-IN"/>
+            <a:endParaRPr lang="en-US" dirty="0"/>
           </a:p>
         </p:txBody>
       </p:sp>
@@ -762,7 +2419,7 @@
           <a:p>
             <a:fld id="{FDFC611B-1B77-4785-AA8D-B532A9780E21}" type="datetimeFigureOut">
               <a:rPr lang="en-IN" smtClean="0"/>
-              <a:t>22-04-2021</a:t>
+              <a:t>25-04-2021</a:t>
             </a:fld>
             <a:endParaRPr lang="en-IN"/>
           </a:p>
@@ -813,7 +2470,7 @@
     </p:spTree>
     <p:extLst>
       <p:ext uri="{BB962C8B-B14F-4D97-AF65-F5344CB8AC3E}">
-        <p14:creationId xmlns:p14="http://schemas.microsoft.com/office/powerpoint/2010/main" val="4204383934"/>
+        <p14:creationId xmlns:p14="http://schemas.microsoft.com/office/powerpoint/2010/main" val="1235354632"/>
       </p:ext>
     </p:extLst>
   </p:cSld>
@@ -842,6 +2499,103 @@
       </p:grpSpPr>
       <p:sp>
         <p:nvSpPr>
+          <p:cNvPr id="10" name="Freeform 7"/>
+          <p:cNvSpPr/>
+          <p:nvPr/>
+        </p:nvSpPr>
+        <p:spPr bwMode="auto">
+          <a:xfrm>
+            <a:off x="0" y="1"/>
+            <a:ext cx="12192000" cy="5203825"/>
+          </a:xfrm>
+          <a:custGeom>
+            <a:avLst/>
+            <a:gdLst/>
+            <a:ahLst/>
+            <a:cxnLst/>
+            <a:rect l="0" t="0" r="r" b="b"/>
+            <a:pathLst>
+              <a:path w="5760" h="3278">
+                <a:moveTo>
+                  <a:pt x="0" y="0"/>
+                </a:moveTo>
+                <a:lnTo>
+                  <a:pt x="5760" y="0"/>
+                </a:lnTo>
+                <a:lnTo>
+                  <a:pt x="5760" y="3090"/>
+                </a:lnTo>
+                <a:lnTo>
+                  <a:pt x="4817" y="3090"/>
+                </a:lnTo>
+                <a:lnTo>
+                  <a:pt x="4637" y="3270"/>
+                </a:lnTo>
+                <a:lnTo>
+                  <a:pt x="4637" y="3270"/>
+                </a:lnTo>
+                <a:lnTo>
+                  <a:pt x="4633" y="3272"/>
+                </a:lnTo>
+                <a:lnTo>
+                  <a:pt x="4627" y="3275"/>
+                </a:lnTo>
+                <a:lnTo>
+                  <a:pt x="4621" y="3278"/>
+                </a:lnTo>
+                <a:lnTo>
+                  <a:pt x="4616" y="3278"/>
+                </a:lnTo>
+                <a:lnTo>
+                  <a:pt x="4610" y="3278"/>
+                </a:lnTo>
+                <a:lnTo>
+                  <a:pt x="4605" y="3275"/>
+                </a:lnTo>
+                <a:lnTo>
+                  <a:pt x="4599" y="3272"/>
+                </a:lnTo>
+                <a:lnTo>
+                  <a:pt x="4595" y="3270"/>
+                </a:lnTo>
+                <a:lnTo>
+                  <a:pt x="4415" y="3090"/>
+                </a:lnTo>
+                <a:lnTo>
+                  <a:pt x="0" y="3090"/>
+                </a:lnTo>
+                <a:lnTo>
+                  <a:pt x="0" y="0"/>
+                </a:lnTo>
+                <a:lnTo>
+                  <a:pt x="0" y="0"/>
+                </a:lnTo>
+                <a:close/>
+              </a:path>
+            </a:pathLst>
+          </a:custGeom>
+          <a:ln>
+            <a:headEnd/>
+            <a:tailEnd/>
+          </a:ln>
+        </p:spPr>
+        <p:style>
+          <a:lnRef idx="1">
+            <a:schemeClr val="accent1"/>
+          </a:lnRef>
+          <a:fillRef idx="3">
+            <a:schemeClr val="accent1"/>
+          </a:fillRef>
+          <a:effectRef idx="2">
+            <a:schemeClr val="accent1"/>
+          </a:effectRef>
+          <a:fontRef idx="minor">
+            <a:schemeClr val="lt1"/>
+          </a:fontRef>
+        </p:style>
+      </p:sp>
+      <p:sp>
+        <p:nvSpPr>
           <p:cNvPr id="2" name="Title 1"/>
           <p:cNvSpPr>
             <a:spLocks noGrp="1"/>
@@ -852,23 +2606,23 @@
         </p:nvSpPr>
         <p:spPr>
           <a:xfrm>
-            <a:off x="831850" y="1709738"/>
-            <a:ext cx="10515600" cy="2852737"/>
+            <a:off x="810000" y="2951396"/>
+            <a:ext cx="10561418" cy="1468800"/>
           </a:xfrm>
         </p:spPr>
         <p:txBody>
           <a:bodyPr anchor="b"/>
           <a:lstStyle>
-            <a:lvl1pPr>
-              <a:defRPr sz="6000"/>
+            <a:lvl1pPr algn="r">
+              <a:defRPr sz="4800" b="1" cap="none"/>
             </a:lvl1pPr>
           </a:lstStyle>
           <a:p>
             <a:r>
-              <a:rPr lang="en-US" smtClean="0"/>
+              <a:rPr lang="en-US"/>
               <a:t>Click to edit Master title style</a:t>
             </a:r>
-            <a:endParaRPr lang="en-IN"/>
+            <a:endParaRPr lang="en-US" dirty="0"/>
           </a:p>
         </p:txBody>
       </p:sp>
@@ -884,26 +2638,26 @@
         </p:nvSpPr>
         <p:spPr>
           <a:xfrm>
-            <a:off x="831850" y="4589463"/>
-            <a:ext cx="10515600" cy="1500187"/>
+            <a:off x="810000" y="5281201"/>
+            <a:ext cx="10561418" cy="433955"/>
           </a:xfrm>
         </p:spPr>
         <p:txBody>
-          <a:bodyPr/>
+          <a:bodyPr anchor="t">
+            <a:noAutofit/>
+          </a:bodyPr>
           <a:lstStyle>
-            <a:lvl1pPr marL="0" indent="0">
-              <a:buNone/>
-              <a:defRPr sz="2400">
+            <a:lvl1pPr marL="0" indent="0" algn="r">
+              <a:buNone/>
+              <a:defRPr sz="1800">
                 <a:solidFill>
-                  <a:schemeClr val="tx1">
-                    <a:tint val="75000"/>
-                  </a:schemeClr>
+                  <a:schemeClr val="tx1"/>
                 </a:solidFill>
               </a:defRPr>
             </a:lvl1pPr>
             <a:lvl2pPr marL="457200" indent="0">
               <a:buNone/>
-              <a:defRPr sz="2000">
+              <a:defRPr sz="1800">
                 <a:solidFill>
                   <a:schemeClr val="tx1">
                     <a:tint val="75000"/>
@@ -913,7 +2667,7 @@
             </a:lvl2pPr>
             <a:lvl3pPr marL="914400" indent="0">
               <a:buNone/>
-              <a:defRPr sz="1800">
+              <a:defRPr sz="1600">
                 <a:solidFill>
                   <a:schemeClr val="tx1">
                     <a:tint val="75000"/>
@@ -923,7 +2677,7 @@
             </a:lvl3pPr>
             <a:lvl4pPr marL="1371600" indent="0">
               <a:buNone/>
-              <a:defRPr sz="1600">
+              <a:defRPr sz="1400">
                 <a:solidFill>
                   <a:schemeClr val="tx1">
                     <a:tint val="75000"/>
@@ -933,7 +2687,7 @@
             </a:lvl4pPr>
             <a:lvl5pPr marL="1828800" indent="0">
               <a:buNone/>
-              <a:defRPr sz="1600">
+              <a:defRPr sz="1400">
                 <a:solidFill>
                   <a:schemeClr val="tx1">
                     <a:tint val="75000"/>
@@ -943,7 +2697,7 @@
             </a:lvl5pPr>
             <a:lvl6pPr marL="2286000" indent="0">
               <a:buNone/>
-              <a:defRPr sz="1600">
+              <a:defRPr sz="1400">
                 <a:solidFill>
                   <a:schemeClr val="tx1">
                     <a:tint val="75000"/>
@@ -953,7 +2707,7 @@
             </a:lvl6pPr>
             <a:lvl7pPr marL="2743200" indent="0">
               <a:buNone/>
-              <a:defRPr sz="1600">
+              <a:defRPr sz="1400">
                 <a:solidFill>
                   <a:schemeClr val="tx1">
                     <a:tint val="75000"/>
@@ -963,7 +2717,7 @@
             </a:lvl7pPr>
             <a:lvl8pPr marL="3200400" indent="0">
               <a:buNone/>
-              <a:defRPr sz="1600">
+              <a:defRPr sz="1400">
                 <a:solidFill>
                   <a:schemeClr val="tx1">
                     <a:tint val="75000"/>
@@ -973,7 +2727,7 @@
             </a:lvl8pPr>
             <a:lvl9pPr marL="3657600" indent="0">
               <a:buNone/>
-              <a:defRPr sz="1600">
+              <a:defRPr sz="1400">
                 <a:solidFill>
                   <a:schemeClr val="tx1">
                     <a:tint val="75000"/>
@@ -985,8 +2739,8 @@
           <a:p>
             <a:pPr lvl="0"/>
             <a:r>
-              <a:rPr lang="en-US" smtClean="0"/>
-              <a:t>Edit Master text styles</a:t>
+              <a:rPr lang="en-US"/>
+              <a:t>Click to edit Master text styles</a:t>
             </a:r>
           </a:p>
         </p:txBody>
@@ -1008,7 +2762,7 @@
           <a:p>
             <a:fld id="{FDFC611B-1B77-4785-AA8D-B532A9780E21}" type="datetimeFigureOut">
               <a:rPr lang="en-IN" smtClean="0"/>
-              <a:t>22-04-2021</a:t>
+              <a:t>25-04-2021</a:t>
             </a:fld>
             <a:endParaRPr lang="en-IN"/>
           </a:p>
@@ -1059,7 +2813,7 @@
     </p:spTree>
     <p:extLst>
       <p:ext uri="{BB962C8B-B14F-4D97-AF65-F5344CB8AC3E}">
-        <p14:creationId xmlns:p14="http://schemas.microsoft.com/office/powerpoint/2010/main" val="810375819"/>
+        <p14:creationId xmlns:p14="http://schemas.microsoft.com/office/powerpoint/2010/main" val="2416010548"/>
       </p:ext>
     </p:extLst>
   </p:cSld>
@@ -1088,6 +2842,109 @@
       </p:grpSpPr>
       <p:sp>
         <p:nvSpPr>
+          <p:cNvPr id="8" name="Freeform 6"/>
+          <p:cNvSpPr/>
+          <p:nvPr/>
+        </p:nvSpPr>
+        <p:spPr bwMode="auto">
+          <a:xfrm>
+            <a:off x="0" y="0"/>
+            <a:ext cx="12192000" cy="2185988"/>
+          </a:xfrm>
+          <a:custGeom>
+            <a:avLst/>
+            <a:gdLst/>
+            <a:ahLst/>
+            <a:cxnLst/>
+            <a:rect l="0" t="0" r="r" b="b"/>
+            <a:pathLst>
+              <a:path w="5760" h="1377">
+                <a:moveTo>
+                  <a:pt x="5760" y="0"/>
+                </a:moveTo>
+                <a:lnTo>
+                  <a:pt x="0" y="0"/>
+                </a:lnTo>
+                <a:lnTo>
+                  <a:pt x="0" y="1189"/>
+                </a:lnTo>
+                <a:lnTo>
+                  <a:pt x="943" y="1189"/>
+                </a:lnTo>
+                <a:lnTo>
+                  <a:pt x="1123" y="1369"/>
+                </a:lnTo>
+                <a:lnTo>
+                  <a:pt x="1123" y="1369"/>
+                </a:lnTo>
+                <a:lnTo>
+                  <a:pt x="1127" y="1371"/>
+                </a:lnTo>
+                <a:lnTo>
+                  <a:pt x="1133" y="1374"/>
+                </a:lnTo>
+                <a:lnTo>
+                  <a:pt x="1139" y="1377"/>
+                </a:lnTo>
+                <a:lnTo>
+                  <a:pt x="1144" y="1377"/>
+                </a:lnTo>
+                <a:lnTo>
+                  <a:pt x="1150" y="1377"/>
+                </a:lnTo>
+                <a:lnTo>
+                  <a:pt x="1155" y="1374"/>
+                </a:lnTo>
+                <a:lnTo>
+                  <a:pt x="1161" y="1371"/>
+                </a:lnTo>
+                <a:lnTo>
+                  <a:pt x="1165" y="1369"/>
+                </a:lnTo>
+                <a:lnTo>
+                  <a:pt x="1345" y="1189"/>
+                </a:lnTo>
+                <a:lnTo>
+                  <a:pt x="5760" y="1189"/>
+                </a:lnTo>
+                <a:lnTo>
+                  <a:pt x="5760" y="0"/>
+                </a:lnTo>
+                <a:close/>
+              </a:path>
+            </a:pathLst>
+          </a:custGeom>
+          <a:ln/>
+          <a:extLst>
+            <a:ext uri="{91240B29-F687-4f45-9708-019B960494DF}">
+              <a14:hiddenLine xmlns:a14="http://schemas.microsoft.com/office/drawing/2010/main" xmlns="" w="9525">
+                <a:solidFill>
+                  <a:srgbClr val="000000"/>
+                </a:solidFill>
+                <a:round/>
+                <a:headEnd/>
+                <a:tailEnd/>
+              </a14:hiddenLine>
+            </a:ext>
+          </a:extLst>
+        </p:spPr>
+        <p:style>
+          <a:lnRef idx="1">
+            <a:schemeClr val="accent1"/>
+          </a:lnRef>
+          <a:fillRef idx="3">
+            <a:schemeClr val="accent1"/>
+          </a:fillRef>
+          <a:effectRef idx="2">
+            <a:schemeClr val="accent1"/>
+          </a:effectRef>
+          <a:fontRef idx="minor">
+            <a:schemeClr val="lt1"/>
+          </a:fontRef>
+        </p:style>
+      </p:sp>
+      <p:sp>
+        <p:nvSpPr>
           <p:cNvPr id="2" name="Title 1"/>
           <p:cNvSpPr>
             <a:spLocks noGrp="1"/>
@@ -1102,10 +2959,10 @@
           <a:lstStyle/>
           <a:p>
             <a:r>
-              <a:rPr lang="en-US" smtClean="0"/>
+              <a:rPr lang="en-US"/>
               <a:t>Click to edit Master title style</a:t>
             </a:r>
-            <a:endParaRPr lang="en-IN"/>
+            <a:endParaRPr lang="en-US" dirty="0"/>
           </a:p>
         </p:txBody>
       </p:sp>
@@ -1121,48 +2978,50 @@
         </p:nvSpPr>
         <p:spPr>
           <a:xfrm>
-            <a:off x="838200" y="1825625"/>
-            <a:ext cx="5181600" cy="4351338"/>
+            <a:off x="818712" y="2222287"/>
+            <a:ext cx="5185873" cy="3638763"/>
           </a:xfrm>
         </p:spPr>
         <p:txBody>
-          <a:bodyPr/>
+          <a:bodyPr>
+            <a:normAutofit/>
+          </a:bodyPr>
           <a:lstStyle/>
           <a:p>
             <a:pPr lvl="0"/>
             <a:r>
-              <a:rPr lang="en-US" smtClean="0"/>
-              <a:t>Edit Master text styles</a:t>
+              <a:rPr lang="en-US"/>
+              <a:t>Click to edit Master text styles</a:t>
             </a:r>
           </a:p>
           <a:p>
             <a:pPr lvl="1"/>
             <a:r>
-              <a:rPr lang="en-US" smtClean="0"/>
+              <a:rPr lang="en-US"/>
               <a:t>Second level</a:t>
             </a:r>
           </a:p>
           <a:p>
             <a:pPr lvl="2"/>
             <a:r>
-              <a:rPr lang="en-US" smtClean="0"/>
+              <a:rPr lang="en-US"/>
               <a:t>Third level</a:t>
             </a:r>
           </a:p>
           <a:p>
             <a:pPr lvl="3"/>
             <a:r>
-              <a:rPr lang="en-US" smtClean="0"/>
+              <a:rPr lang="en-US"/>
               <a:t>Fourth level</a:t>
             </a:r>
           </a:p>
           <a:p>
             <a:pPr lvl="4"/>
             <a:r>
-              <a:rPr lang="en-US" smtClean="0"/>
+              <a:rPr lang="en-US"/>
               <a:t>Fifth level</a:t>
             </a:r>
-            <a:endParaRPr lang="en-IN"/>
+            <a:endParaRPr lang="en-US" dirty="0"/>
           </a:p>
         </p:txBody>
       </p:sp>
@@ -1178,48 +3037,50 @@
         </p:nvSpPr>
         <p:spPr>
           <a:xfrm>
-            <a:off x="6172200" y="1825625"/>
-            <a:ext cx="5181600" cy="4351338"/>
+            <a:off x="6187415" y="2222287"/>
+            <a:ext cx="5194583" cy="3638764"/>
           </a:xfrm>
         </p:spPr>
         <p:txBody>
-          <a:bodyPr/>
+          <a:bodyPr>
+            <a:normAutofit/>
+          </a:bodyPr>
           <a:lstStyle/>
           <a:p>
             <a:pPr lvl="0"/>
             <a:r>
-              <a:rPr lang="en-US" smtClean="0"/>
-              <a:t>Edit Master text styles</a:t>
+              <a:rPr lang="en-US"/>
+              <a:t>Click to edit Master text styles</a:t>
             </a:r>
           </a:p>
           <a:p>
             <a:pPr lvl="1"/>
             <a:r>
-              <a:rPr lang="en-US" smtClean="0"/>
+              <a:rPr lang="en-US"/>
               <a:t>Second level</a:t>
             </a:r>
           </a:p>
           <a:p>
             <a:pPr lvl="2"/>
             <a:r>
-              <a:rPr lang="en-US" smtClean="0"/>
+              <a:rPr lang="en-US"/>
               <a:t>Third level</a:t>
             </a:r>
           </a:p>
           <a:p>
             <a:pPr lvl="3"/>
             <a:r>
-              <a:rPr lang="en-US" smtClean="0"/>
+              <a:rPr lang="en-US"/>
               <a:t>Fourth level</a:t>
             </a:r>
           </a:p>
           <a:p>
             <a:pPr lvl="4"/>
             <a:r>
-              <a:rPr lang="en-US" smtClean="0"/>
+              <a:rPr lang="en-US"/>
               <a:t>Fifth level</a:t>
             </a:r>
-            <a:endParaRPr lang="en-IN"/>
+            <a:endParaRPr lang="en-US" dirty="0"/>
           </a:p>
         </p:txBody>
       </p:sp>
@@ -1240,7 +3101,7 @@
           <a:p>
             <a:fld id="{FDFC611B-1B77-4785-AA8D-B532A9780E21}" type="datetimeFigureOut">
               <a:rPr lang="en-IN" smtClean="0"/>
-              <a:t>22-04-2021</a:t>
+              <a:t>25-04-2021</a:t>
             </a:fld>
             <a:endParaRPr lang="en-IN"/>
           </a:p>
@@ -1291,7 +3152,7 @@
     </p:spTree>
     <p:extLst>
       <p:ext uri="{BB962C8B-B14F-4D97-AF65-F5344CB8AC3E}">
-        <p14:creationId xmlns:p14="http://schemas.microsoft.com/office/powerpoint/2010/main" val="3977262038"/>
+        <p14:creationId xmlns:p14="http://schemas.microsoft.com/office/powerpoint/2010/main" val="672117885"/>
       </p:ext>
     </p:extLst>
   </p:cSld>
@@ -1320,54 +3181,158 @@
       </p:grpSpPr>
       <p:sp>
         <p:nvSpPr>
+          <p:cNvPr id="10" name="Freeform 6"/>
+          <p:cNvSpPr/>
+          <p:nvPr/>
+        </p:nvSpPr>
+        <p:spPr bwMode="auto">
+          <a:xfrm>
+            <a:off x="0" y="0"/>
+            <a:ext cx="12192000" cy="2185988"/>
+          </a:xfrm>
+          <a:custGeom>
+            <a:avLst/>
+            <a:gdLst/>
+            <a:ahLst/>
+            <a:cxnLst/>
+            <a:rect l="0" t="0" r="r" b="b"/>
+            <a:pathLst>
+              <a:path w="5760" h="1377">
+                <a:moveTo>
+                  <a:pt x="5760" y="0"/>
+                </a:moveTo>
+                <a:lnTo>
+                  <a:pt x="0" y="0"/>
+                </a:lnTo>
+                <a:lnTo>
+                  <a:pt x="0" y="1189"/>
+                </a:lnTo>
+                <a:lnTo>
+                  <a:pt x="943" y="1189"/>
+                </a:lnTo>
+                <a:lnTo>
+                  <a:pt x="1123" y="1369"/>
+                </a:lnTo>
+                <a:lnTo>
+                  <a:pt x="1123" y="1369"/>
+                </a:lnTo>
+                <a:lnTo>
+                  <a:pt x="1127" y="1371"/>
+                </a:lnTo>
+                <a:lnTo>
+                  <a:pt x="1133" y="1374"/>
+                </a:lnTo>
+                <a:lnTo>
+                  <a:pt x="1139" y="1377"/>
+                </a:lnTo>
+                <a:lnTo>
+                  <a:pt x="1144" y="1377"/>
+                </a:lnTo>
+                <a:lnTo>
+                  <a:pt x="1150" y="1377"/>
+                </a:lnTo>
+                <a:lnTo>
+                  <a:pt x="1155" y="1374"/>
+                </a:lnTo>
+                <a:lnTo>
+                  <a:pt x="1161" y="1371"/>
+                </a:lnTo>
+                <a:lnTo>
+                  <a:pt x="1165" y="1369"/>
+                </a:lnTo>
+                <a:lnTo>
+                  <a:pt x="1345" y="1189"/>
+                </a:lnTo>
+                <a:lnTo>
+                  <a:pt x="5760" y="1189"/>
+                </a:lnTo>
+                <a:lnTo>
+                  <a:pt x="5760" y="0"/>
+                </a:lnTo>
+                <a:close/>
+              </a:path>
+            </a:pathLst>
+          </a:custGeom>
+          <a:ln/>
+          <a:extLst>
+            <a:ext uri="{91240B29-F687-4f45-9708-019B960494DF}">
+              <a14:hiddenLine xmlns:a14="http://schemas.microsoft.com/office/drawing/2010/main" xmlns="" w="9525">
+                <a:solidFill>
+                  <a:srgbClr val="000000"/>
+                </a:solidFill>
+                <a:round/>
+                <a:headEnd/>
+                <a:tailEnd/>
+              </a14:hiddenLine>
+            </a:ext>
+          </a:extLst>
+        </p:spPr>
+        <p:style>
+          <a:lnRef idx="1">
+            <a:schemeClr val="accent1"/>
+          </a:lnRef>
+          <a:fillRef idx="3">
+            <a:schemeClr val="accent1"/>
+          </a:fillRef>
+          <a:effectRef idx="2">
+            <a:schemeClr val="accent1"/>
+          </a:effectRef>
+          <a:fontRef idx="minor">
+            <a:schemeClr val="lt1"/>
+          </a:fontRef>
+        </p:style>
+      </p:sp>
+      <p:sp>
+        <p:nvSpPr>
           <p:cNvPr id="2" name="Title 1"/>
           <p:cNvSpPr>
             <a:spLocks noGrp="1"/>
           </p:cNvSpPr>
           <p:nvPr>
             <p:ph type="title"/>
+          </p:nvPr>
+        </p:nvSpPr>
+        <p:spPr/>
+        <p:txBody>
+          <a:bodyPr/>
+          <a:lstStyle>
+            <a:lvl1pPr>
+              <a:defRPr/>
+            </a:lvl1pPr>
+          </a:lstStyle>
+          <a:p>
+            <a:r>
+              <a:rPr lang="en-US"/>
+              <a:t>Click to edit Master title style</a:t>
+            </a:r>
+            <a:endParaRPr lang="en-US" dirty="0"/>
+          </a:p>
+        </p:txBody>
+      </p:sp>
+      <p:sp>
+        <p:nvSpPr>
+          <p:cNvPr id="3" name="Text Placeholder 2"/>
+          <p:cNvSpPr>
+            <a:spLocks noGrp="1"/>
+          </p:cNvSpPr>
+          <p:nvPr>
+            <p:ph type="body" idx="1"/>
           </p:nvPr>
         </p:nvSpPr>
         <p:spPr>
           <a:xfrm>
-            <a:off x="839788" y="365125"/>
-            <a:ext cx="10515600" cy="1325563"/>
+            <a:off x="814728" y="2174875"/>
+            <a:ext cx="5189857" cy="576262"/>
           </a:xfrm>
         </p:spPr>
         <p:txBody>
-          <a:bodyPr/>
-          <a:lstStyle/>
-          <a:p>
-            <a:r>
-              <a:rPr lang="en-US" smtClean="0"/>
-              <a:t>Click to edit Master title style</a:t>
-            </a:r>
-            <a:endParaRPr lang="en-IN"/>
-          </a:p>
-        </p:txBody>
-      </p:sp>
-      <p:sp>
-        <p:nvSpPr>
-          <p:cNvPr id="3" name="Text Placeholder 2"/>
-          <p:cNvSpPr>
-            <a:spLocks noGrp="1"/>
-          </p:cNvSpPr>
-          <p:nvPr>
-            <p:ph type="body" idx="1"/>
-          </p:nvPr>
-        </p:nvSpPr>
-        <p:spPr>
-          <a:xfrm>
-            <a:off x="839788" y="1681163"/>
-            <a:ext cx="5157787" cy="823912"/>
-          </a:xfrm>
-        </p:spPr>
-        <p:txBody>
-          <a:bodyPr anchor="b"/>
+          <a:bodyPr anchor="b">
+            <a:noAutofit/>
+          </a:bodyPr>
           <a:lstStyle>
-            <a:lvl1pPr marL="0" indent="0">
-              <a:buNone/>
-              <a:defRPr sz="2400" b="1"/>
+            <a:lvl1pPr marL="0" indent="0" algn="ctr">
+              <a:buNone/>
+              <a:defRPr sz="2000" b="0"/>
             </a:lvl1pPr>
             <a:lvl2pPr marL="457200" indent="0">
               <a:buNone/>
@@ -1405,8 +3370,8 @@
           <a:p>
             <a:pPr lvl="0"/>
             <a:r>
-              <a:rPr lang="en-US" smtClean="0"/>
-              <a:t>Edit Master text styles</a:t>
+              <a:rPr lang="en-US"/>
+              <a:t>Click to edit Master text styles</a:t>
             </a:r>
           </a:p>
         </p:txBody>
@@ -1423,48 +3388,50 @@
         </p:nvSpPr>
         <p:spPr>
           <a:xfrm>
-            <a:off x="839788" y="2505075"/>
-            <a:ext cx="5157787" cy="3684588"/>
+            <a:off x="814729" y="2751138"/>
+            <a:ext cx="5189856" cy="3109913"/>
           </a:xfrm>
         </p:spPr>
         <p:txBody>
-          <a:bodyPr/>
+          <a:bodyPr anchor="t">
+            <a:normAutofit/>
+          </a:bodyPr>
           <a:lstStyle/>
           <a:p>
             <a:pPr lvl="0"/>
             <a:r>
-              <a:rPr lang="en-US" smtClean="0"/>
-              <a:t>Edit Master text styles</a:t>
+              <a:rPr lang="en-US"/>
+              <a:t>Click to edit Master text styles</a:t>
             </a:r>
           </a:p>
           <a:p>
             <a:pPr lvl="1"/>
             <a:r>
-              <a:rPr lang="en-US" smtClean="0"/>
+              <a:rPr lang="en-US"/>
               <a:t>Second level</a:t>
             </a:r>
           </a:p>
           <a:p>
             <a:pPr lvl="2"/>
             <a:r>
-              <a:rPr lang="en-US" smtClean="0"/>
+              <a:rPr lang="en-US"/>
               <a:t>Third level</a:t>
             </a:r>
           </a:p>
           <a:p>
             <a:pPr lvl="3"/>
             <a:r>
-              <a:rPr lang="en-US" smtClean="0"/>
+              <a:rPr lang="en-US"/>
               <a:t>Fourth level</a:t>
             </a:r>
           </a:p>
           <a:p>
             <a:pPr lvl="4"/>
             <a:r>
-              <a:rPr lang="en-US" smtClean="0"/>
+              <a:rPr lang="en-US"/>
               <a:t>Fifth level</a:t>
             </a:r>
-            <a:endParaRPr lang="en-IN"/>
+            <a:endParaRPr lang="en-US" dirty="0"/>
           </a:p>
         </p:txBody>
       </p:sp>
@@ -1480,16 +3447,18 @@
         </p:nvSpPr>
         <p:spPr>
           <a:xfrm>
-            <a:off x="6172200" y="1681163"/>
-            <a:ext cx="5183188" cy="823912"/>
+            <a:off x="6187415" y="2174875"/>
+            <a:ext cx="5194583" cy="576262"/>
           </a:xfrm>
         </p:spPr>
         <p:txBody>
-          <a:bodyPr anchor="b"/>
+          <a:bodyPr anchor="b">
+            <a:noAutofit/>
+          </a:bodyPr>
           <a:lstStyle>
-            <a:lvl1pPr marL="0" indent="0">
-              <a:buNone/>
-              <a:defRPr sz="2400" b="1"/>
+            <a:lvl1pPr marL="0" indent="0" algn="ctr">
+              <a:buNone/>
+              <a:defRPr sz="2000" b="0"/>
             </a:lvl1pPr>
             <a:lvl2pPr marL="457200" indent="0">
               <a:buNone/>
@@ -1527,8 +3496,8 @@
           <a:p>
             <a:pPr lvl="0"/>
             <a:r>
-              <a:rPr lang="en-US" smtClean="0"/>
-              <a:t>Edit Master text styles</a:t>
+              <a:rPr lang="en-US"/>
+              <a:t>Click to edit Master text styles</a:t>
             </a:r>
           </a:p>
         </p:txBody>
@@ -1545,48 +3514,50 @@
         </p:nvSpPr>
         <p:spPr>
           <a:xfrm>
-            <a:off x="6172200" y="2505075"/>
-            <a:ext cx="5183188" cy="3684588"/>
+            <a:off x="6187415" y="2751138"/>
+            <a:ext cx="5194583" cy="3109913"/>
           </a:xfrm>
         </p:spPr>
         <p:txBody>
-          <a:bodyPr/>
+          <a:bodyPr anchor="t">
+            <a:normAutofit/>
+          </a:bodyPr>
           <a:lstStyle/>
           <a:p>
             <a:pPr lvl="0"/>
             <a:r>
-              <a:rPr lang="en-US" smtClean="0"/>
-              <a:t>Edit Master text styles</a:t>
+              <a:rPr lang="en-US"/>
+              <a:t>Click to edit Master text styles</a:t>
             </a:r>
           </a:p>
           <a:p>
             <a:pPr lvl="1"/>
             <a:r>
-              <a:rPr lang="en-US" smtClean="0"/>
+              <a:rPr lang="en-US"/>
               <a:t>Second level</a:t>
             </a:r>
           </a:p>
           <a:p>
             <a:pPr lvl="2"/>
             <a:r>
-              <a:rPr lang="en-US" smtClean="0"/>
+              <a:rPr lang="en-US"/>
               <a:t>Third level</a:t>
             </a:r>
           </a:p>
           <a:p>
             <a:pPr lvl="3"/>
             <a:r>
-              <a:rPr lang="en-US" smtClean="0"/>
+              <a:rPr lang="en-US"/>
               <a:t>Fourth level</a:t>
             </a:r>
           </a:p>
           <a:p>
             <a:pPr lvl="4"/>
             <a:r>
-              <a:rPr lang="en-US" smtClean="0"/>
+              <a:rPr lang="en-US"/>
               <a:t>Fifth level</a:t>
             </a:r>
-            <a:endParaRPr lang="en-IN"/>
+            <a:endParaRPr lang="en-US" dirty="0"/>
           </a:p>
         </p:txBody>
       </p:sp>
@@ -1607,7 +3578,7 @@
           <a:p>
             <a:fld id="{FDFC611B-1B77-4785-AA8D-B532A9780E21}" type="datetimeFigureOut">
               <a:rPr lang="en-IN" smtClean="0"/>
-              <a:t>22-04-2021</a:t>
+              <a:t>25-04-2021</a:t>
             </a:fld>
             <a:endParaRPr lang="en-IN"/>
           </a:p>
@@ -1658,7 +3629,7 @@
     </p:spTree>
     <p:extLst>
       <p:ext uri="{BB962C8B-B14F-4D97-AF65-F5344CB8AC3E}">
-        <p14:creationId xmlns:p14="http://schemas.microsoft.com/office/powerpoint/2010/main" val="2635706326"/>
+        <p14:creationId xmlns:p14="http://schemas.microsoft.com/office/powerpoint/2010/main" val="2642113182"/>
       </p:ext>
     </p:extLst>
   </p:cSld>
@@ -1687,6 +3658,109 @@
       </p:grpSpPr>
       <p:sp>
         <p:nvSpPr>
+          <p:cNvPr id="6" name="Freeform 6"/>
+          <p:cNvSpPr/>
+          <p:nvPr/>
+        </p:nvSpPr>
+        <p:spPr bwMode="auto">
+          <a:xfrm>
+            <a:off x="0" y="0"/>
+            <a:ext cx="12192000" cy="2185988"/>
+          </a:xfrm>
+          <a:custGeom>
+            <a:avLst/>
+            <a:gdLst/>
+            <a:ahLst/>
+            <a:cxnLst/>
+            <a:rect l="0" t="0" r="r" b="b"/>
+            <a:pathLst>
+              <a:path w="5760" h="1377">
+                <a:moveTo>
+                  <a:pt x="5760" y="0"/>
+                </a:moveTo>
+                <a:lnTo>
+                  <a:pt x="0" y="0"/>
+                </a:lnTo>
+                <a:lnTo>
+                  <a:pt x="0" y="1189"/>
+                </a:lnTo>
+                <a:lnTo>
+                  <a:pt x="943" y="1189"/>
+                </a:lnTo>
+                <a:lnTo>
+                  <a:pt x="1123" y="1369"/>
+                </a:lnTo>
+                <a:lnTo>
+                  <a:pt x="1123" y="1369"/>
+                </a:lnTo>
+                <a:lnTo>
+                  <a:pt x="1127" y="1371"/>
+                </a:lnTo>
+                <a:lnTo>
+                  <a:pt x="1133" y="1374"/>
+                </a:lnTo>
+                <a:lnTo>
+                  <a:pt x="1139" y="1377"/>
+                </a:lnTo>
+                <a:lnTo>
+                  <a:pt x="1144" y="1377"/>
+                </a:lnTo>
+                <a:lnTo>
+                  <a:pt x="1150" y="1377"/>
+                </a:lnTo>
+                <a:lnTo>
+                  <a:pt x="1155" y="1374"/>
+                </a:lnTo>
+                <a:lnTo>
+                  <a:pt x="1161" y="1371"/>
+                </a:lnTo>
+                <a:lnTo>
+                  <a:pt x="1165" y="1369"/>
+                </a:lnTo>
+                <a:lnTo>
+                  <a:pt x="1345" y="1189"/>
+                </a:lnTo>
+                <a:lnTo>
+                  <a:pt x="5760" y="1189"/>
+                </a:lnTo>
+                <a:lnTo>
+                  <a:pt x="5760" y="0"/>
+                </a:lnTo>
+                <a:close/>
+              </a:path>
+            </a:pathLst>
+          </a:custGeom>
+          <a:ln/>
+          <a:extLst>
+            <a:ext uri="{91240B29-F687-4f45-9708-019B960494DF}">
+              <a14:hiddenLine xmlns:a14="http://schemas.microsoft.com/office/drawing/2010/main" xmlns="" w="9525">
+                <a:solidFill>
+                  <a:srgbClr val="000000"/>
+                </a:solidFill>
+                <a:round/>
+                <a:headEnd/>
+                <a:tailEnd/>
+              </a14:hiddenLine>
+            </a:ext>
+          </a:extLst>
+        </p:spPr>
+        <p:style>
+          <a:lnRef idx="1">
+            <a:schemeClr val="accent1"/>
+          </a:lnRef>
+          <a:fillRef idx="3">
+            <a:schemeClr val="accent1"/>
+          </a:fillRef>
+          <a:effectRef idx="2">
+            <a:schemeClr val="accent1"/>
+          </a:effectRef>
+          <a:fontRef idx="minor">
+            <a:schemeClr val="lt1"/>
+          </a:fontRef>
+        </p:style>
+      </p:sp>
+      <p:sp>
+        <p:nvSpPr>
           <p:cNvPr id="2" name="Title 1"/>
           <p:cNvSpPr>
             <a:spLocks noGrp="1"/>
@@ -1701,10 +3775,10 @@
           <a:lstStyle/>
           <a:p>
             <a:r>
-              <a:rPr lang="en-US" smtClean="0"/>
+              <a:rPr lang="en-US"/>
               <a:t>Click to edit Master title style</a:t>
             </a:r>
-            <a:endParaRPr lang="en-IN"/>
+            <a:endParaRPr lang="en-US" dirty="0"/>
           </a:p>
         </p:txBody>
       </p:sp>
@@ -1725,7 +3799,7 @@
           <a:p>
             <a:fld id="{FDFC611B-1B77-4785-AA8D-B532A9780E21}" type="datetimeFigureOut">
               <a:rPr lang="en-IN" smtClean="0"/>
-              <a:t>22-04-2021</a:t>
+              <a:t>25-04-2021</a:t>
             </a:fld>
             <a:endParaRPr lang="en-IN"/>
           </a:p>
@@ -1776,7 +3850,7 @@
     </p:spTree>
     <p:extLst>
       <p:ext uri="{BB962C8B-B14F-4D97-AF65-F5344CB8AC3E}">
-        <p14:creationId xmlns:p14="http://schemas.microsoft.com/office/powerpoint/2010/main" val="3356432526"/>
+        <p14:creationId xmlns:p14="http://schemas.microsoft.com/office/powerpoint/2010/main" val="3028538352"/>
       </p:ext>
     </p:extLst>
   </p:cSld>
@@ -1820,7 +3894,7 @@
           <a:p>
             <a:fld id="{FDFC611B-1B77-4785-AA8D-B532A9780E21}" type="datetimeFigureOut">
               <a:rPr lang="en-IN" smtClean="0"/>
-              <a:t>22-04-2021</a:t>
+              <a:t>25-04-2021</a:t>
             </a:fld>
             <a:endParaRPr lang="en-IN"/>
           </a:p>
@@ -1871,7 +3945,7 @@
     </p:spTree>
     <p:extLst>
       <p:ext uri="{BB962C8B-B14F-4D97-AF65-F5344CB8AC3E}">
-        <p14:creationId xmlns:p14="http://schemas.microsoft.com/office/powerpoint/2010/main" val="978260817"/>
+        <p14:creationId xmlns:p14="http://schemas.microsoft.com/office/powerpoint/2010/main" val="2401516343"/>
       </p:ext>
     </p:extLst>
   </p:cSld>
@@ -1900,6 +3974,222 @@
       </p:grpSpPr>
       <p:sp>
         <p:nvSpPr>
+          <p:cNvPr id="12" name="Freeform 6"/>
+          <p:cNvSpPr>
+            <a:spLocks noChangeAspect="1"/>
+          </p:cNvSpPr>
+          <p:nvPr/>
+        </p:nvSpPr>
+        <p:spPr bwMode="auto">
+          <a:xfrm>
+            <a:off x="1073151" y="446087"/>
+            <a:ext cx="3547533" cy="1814651"/>
+          </a:xfrm>
+          <a:custGeom>
+            <a:avLst/>
+            <a:gdLst/>
+            <a:ahLst/>
+            <a:cxnLst/>
+            <a:rect l="0" t="0" r="r" b="b"/>
+            <a:pathLst>
+              <a:path w="3384" h="2308">
+                <a:moveTo>
+                  <a:pt x="3340" y="0"/>
+                </a:moveTo>
+                <a:lnTo>
+                  <a:pt x="44" y="0"/>
+                </a:lnTo>
+                <a:lnTo>
+                  <a:pt x="44" y="0"/>
+                </a:lnTo>
+                <a:lnTo>
+                  <a:pt x="34" y="0"/>
+                </a:lnTo>
+                <a:lnTo>
+                  <a:pt x="26" y="4"/>
+                </a:lnTo>
+                <a:lnTo>
+                  <a:pt x="20" y="8"/>
+                </a:lnTo>
+                <a:lnTo>
+                  <a:pt x="12" y="12"/>
+                </a:lnTo>
+                <a:lnTo>
+                  <a:pt x="8" y="20"/>
+                </a:lnTo>
+                <a:lnTo>
+                  <a:pt x="4" y="26"/>
+                </a:lnTo>
+                <a:lnTo>
+                  <a:pt x="0" y="34"/>
+                </a:lnTo>
+                <a:lnTo>
+                  <a:pt x="0" y="44"/>
+                </a:lnTo>
+                <a:lnTo>
+                  <a:pt x="0" y="2076"/>
+                </a:lnTo>
+                <a:lnTo>
+                  <a:pt x="0" y="2076"/>
+                </a:lnTo>
+                <a:lnTo>
+                  <a:pt x="0" y="2086"/>
+                </a:lnTo>
+                <a:lnTo>
+                  <a:pt x="4" y="2094"/>
+                </a:lnTo>
+                <a:lnTo>
+                  <a:pt x="8" y="2100"/>
+                </a:lnTo>
+                <a:lnTo>
+                  <a:pt x="12" y="2108"/>
+                </a:lnTo>
+                <a:lnTo>
+                  <a:pt x="20" y="2112"/>
+                </a:lnTo>
+                <a:lnTo>
+                  <a:pt x="26" y="2116"/>
+                </a:lnTo>
+                <a:lnTo>
+                  <a:pt x="34" y="2120"/>
+                </a:lnTo>
+                <a:lnTo>
+                  <a:pt x="44" y="2120"/>
+                </a:lnTo>
+                <a:lnTo>
+                  <a:pt x="474" y="2120"/>
+                </a:lnTo>
+                <a:lnTo>
+                  <a:pt x="650" y="2296"/>
+                </a:lnTo>
+                <a:lnTo>
+                  <a:pt x="650" y="2296"/>
+                </a:lnTo>
+                <a:lnTo>
+                  <a:pt x="656" y="2300"/>
+                </a:lnTo>
+                <a:lnTo>
+                  <a:pt x="664" y="2304"/>
+                </a:lnTo>
+                <a:lnTo>
+                  <a:pt x="672" y="2308"/>
+                </a:lnTo>
+                <a:lnTo>
+                  <a:pt x="680" y="2308"/>
+                </a:lnTo>
+                <a:lnTo>
+                  <a:pt x="688" y="2308"/>
+                </a:lnTo>
+                <a:lnTo>
+                  <a:pt x="696" y="2304"/>
+                </a:lnTo>
+                <a:lnTo>
+                  <a:pt x="704" y="2300"/>
+                </a:lnTo>
+                <a:lnTo>
+                  <a:pt x="710" y="2296"/>
+                </a:lnTo>
+                <a:lnTo>
+                  <a:pt x="886" y="2120"/>
+                </a:lnTo>
+                <a:lnTo>
+                  <a:pt x="3340" y="2120"/>
+                </a:lnTo>
+                <a:lnTo>
+                  <a:pt x="3340" y="2120"/>
+                </a:lnTo>
+                <a:lnTo>
+                  <a:pt x="3350" y="2120"/>
+                </a:lnTo>
+                <a:lnTo>
+                  <a:pt x="3358" y="2116"/>
+                </a:lnTo>
+                <a:lnTo>
+                  <a:pt x="3364" y="2112"/>
+                </a:lnTo>
+                <a:lnTo>
+                  <a:pt x="3372" y="2108"/>
+                </a:lnTo>
+                <a:lnTo>
+                  <a:pt x="3376" y="2100"/>
+                </a:lnTo>
+                <a:lnTo>
+                  <a:pt x="3380" y="2094"/>
+                </a:lnTo>
+                <a:lnTo>
+                  <a:pt x="3384" y="2086"/>
+                </a:lnTo>
+                <a:lnTo>
+                  <a:pt x="3384" y="2076"/>
+                </a:lnTo>
+                <a:lnTo>
+                  <a:pt x="3384" y="44"/>
+                </a:lnTo>
+                <a:lnTo>
+                  <a:pt x="3384" y="44"/>
+                </a:lnTo>
+                <a:lnTo>
+                  <a:pt x="3384" y="34"/>
+                </a:lnTo>
+                <a:lnTo>
+                  <a:pt x="3380" y="26"/>
+                </a:lnTo>
+                <a:lnTo>
+                  <a:pt x="3376" y="20"/>
+                </a:lnTo>
+                <a:lnTo>
+                  <a:pt x="3372" y="12"/>
+                </a:lnTo>
+                <a:lnTo>
+                  <a:pt x="3364" y="8"/>
+                </a:lnTo>
+                <a:lnTo>
+                  <a:pt x="3358" y="4"/>
+                </a:lnTo>
+                <a:lnTo>
+                  <a:pt x="3350" y="0"/>
+                </a:lnTo>
+                <a:lnTo>
+                  <a:pt x="3340" y="0"/>
+                </a:lnTo>
+                <a:lnTo>
+                  <a:pt x="3340" y="0"/>
+                </a:lnTo>
+                <a:close/>
+              </a:path>
+            </a:pathLst>
+          </a:custGeom>
+          <a:ln/>
+          <a:extLst>
+            <a:ext uri="{91240B29-F687-4f45-9708-019B960494DF}">
+              <a14:hiddenLine xmlns:a14="http://schemas.microsoft.com/office/drawing/2010/main" xmlns="" w="9525">
+                <a:solidFill>
+                  <a:srgbClr val="000000"/>
+                </a:solidFill>
+                <a:round/>
+                <a:headEnd/>
+                <a:tailEnd/>
+              </a14:hiddenLine>
+            </a:ext>
+          </a:extLst>
+        </p:spPr>
+        <p:style>
+          <a:lnRef idx="1">
+            <a:schemeClr val="accent1"/>
+          </a:lnRef>
+          <a:fillRef idx="3">
+            <a:schemeClr val="accent1"/>
+          </a:fillRef>
+          <a:effectRef idx="2">
+            <a:schemeClr val="accent1"/>
+          </a:effectRef>
+          <a:fontRef idx="minor">
+            <a:schemeClr val="lt1"/>
+          </a:fontRef>
+        </p:style>
+      </p:sp>
+      <p:sp>
+        <p:nvSpPr>
           <p:cNvPr id="2" name="Title 1"/>
           <p:cNvSpPr>
             <a:spLocks noGrp="1"/>
@@ -1910,23 +4200,23 @@
         </p:nvSpPr>
         <p:spPr>
           <a:xfrm>
-            <a:off x="839788" y="457200"/>
-            <a:ext cx="3932237" cy="1600200"/>
+            <a:off x="1073151" y="446088"/>
+            <a:ext cx="3547533" cy="1618396"/>
           </a:xfrm>
         </p:spPr>
         <p:txBody>
           <a:bodyPr anchor="b"/>
           <a:lstStyle>
-            <a:lvl1pPr>
-              <a:defRPr sz="3200"/>
+            <a:lvl1pPr algn="l">
+              <a:defRPr sz="2000" b="1"/>
             </a:lvl1pPr>
           </a:lstStyle>
           <a:p>
             <a:r>
-              <a:rPr lang="en-US" smtClean="0"/>
+              <a:rPr lang="en-US"/>
               <a:t>Click to edit Master title style</a:t>
             </a:r>
-            <a:endParaRPr lang="en-IN"/>
+            <a:endParaRPr lang="en-US" dirty="0"/>
           </a:p>
         </p:txBody>
       </p:sp>
@@ -1942,76 +4232,50 @@
         </p:nvSpPr>
         <p:spPr>
           <a:xfrm>
-            <a:off x="5183188" y="987425"/>
-            <a:ext cx="6172200" cy="4873625"/>
+            <a:off x="4855633" y="446088"/>
+            <a:ext cx="6252633" cy="5414963"/>
           </a:xfrm>
         </p:spPr>
         <p:txBody>
-          <a:bodyPr/>
-          <a:lstStyle>
-            <a:lvl1pPr>
-              <a:defRPr sz="3200"/>
-            </a:lvl1pPr>
-            <a:lvl2pPr>
-              <a:defRPr sz="2800"/>
-            </a:lvl2pPr>
-            <a:lvl3pPr>
-              <a:defRPr sz="2400"/>
-            </a:lvl3pPr>
-            <a:lvl4pPr>
-              <a:defRPr sz="2000"/>
-            </a:lvl4pPr>
-            <a:lvl5pPr>
-              <a:defRPr sz="2000"/>
-            </a:lvl5pPr>
-            <a:lvl6pPr>
-              <a:defRPr sz="2000"/>
-            </a:lvl6pPr>
-            <a:lvl7pPr>
-              <a:defRPr sz="2000"/>
-            </a:lvl7pPr>
-            <a:lvl8pPr>
-              <a:defRPr sz="2000"/>
-            </a:lvl8pPr>
-            <a:lvl9pPr>
-              <a:defRPr sz="2000"/>
-            </a:lvl9pPr>
-          </a:lstStyle>
+          <a:bodyPr>
+            <a:normAutofit/>
+          </a:bodyPr>
+          <a:lstStyle/>
           <a:p>
             <a:pPr lvl="0"/>
             <a:r>
-              <a:rPr lang="en-US" smtClean="0"/>
-              <a:t>Edit Master text styles</a:t>
+              <a:rPr lang="en-US"/>
+              <a:t>Click to edit Master text styles</a:t>
             </a:r>
           </a:p>
           <a:p>
             <a:pPr lvl="1"/>
             <a:r>
-              <a:rPr lang="en-US" smtClean="0"/>
+              <a:rPr lang="en-US"/>
               <a:t>Second level</a:t>
             </a:r>
           </a:p>
           <a:p>
             <a:pPr lvl="2"/>
             <a:r>
-              <a:rPr lang="en-US" smtClean="0"/>
+              <a:rPr lang="en-US"/>
               <a:t>Third level</a:t>
             </a:r>
           </a:p>
           <a:p>
             <a:pPr lvl="3"/>
             <a:r>
-              <a:rPr lang="en-US" smtClean="0"/>
+              <a:rPr lang="en-US"/>
               <a:t>Fourth level</a:t>
             </a:r>
           </a:p>
           <a:p>
             <a:pPr lvl="4"/>
             <a:r>
-              <a:rPr lang="en-US" smtClean="0"/>
+              <a:rPr lang="en-US"/>
               <a:t>Fifth level</a:t>
             </a:r>
-            <a:endParaRPr lang="en-IN"/>
+            <a:endParaRPr lang="en-US" dirty="0"/>
           </a:p>
         </p:txBody>
       </p:sp>
@@ -2027,8 +4291,8 @@
         </p:nvSpPr>
         <p:spPr>
           <a:xfrm>
-            <a:off x="839788" y="2057400"/>
-            <a:ext cx="3932237" cy="3811588"/>
+            <a:off x="1073151" y="2260738"/>
+            <a:ext cx="3547533" cy="3600311"/>
           </a:xfrm>
         </p:spPr>
         <p:txBody>
@@ -2036,46 +4300,46 @@
           <a:lstStyle>
             <a:lvl1pPr marL="0" indent="0">
               <a:buNone/>
-              <a:defRPr sz="1600"/>
+              <a:defRPr sz="1400"/>
             </a:lvl1pPr>
             <a:lvl2pPr marL="457200" indent="0">
               <a:buNone/>
-              <a:defRPr sz="1400"/>
+              <a:defRPr sz="1200"/>
             </a:lvl2pPr>
             <a:lvl3pPr marL="914400" indent="0">
               <a:buNone/>
-              <a:defRPr sz="1200"/>
+              <a:defRPr sz="1000"/>
             </a:lvl3pPr>
             <a:lvl4pPr marL="1371600" indent="0">
               <a:buNone/>
-              <a:defRPr sz="1000"/>
+              <a:defRPr sz="900"/>
             </a:lvl4pPr>
             <a:lvl5pPr marL="1828800" indent="0">
               <a:buNone/>
-              <a:defRPr sz="1000"/>
+              <a:defRPr sz="900"/>
             </a:lvl5pPr>
             <a:lvl6pPr marL="2286000" indent="0">
               <a:buNone/>
-              <a:defRPr sz="1000"/>
+              <a:defRPr sz="900"/>
             </a:lvl6pPr>
             <a:lvl7pPr marL="2743200" indent="0">
               <a:buNone/>
-              <a:defRPr sz="1000"/>
+              <a:defRPr sz="900"/>
             </a:lvl7pPr>
             <a:lvl8pPr marL="3200400" indent="0">
               <a:buNone/>
-              <a:defRPr sz="1000"/>
+              <a:defRPr sz="900"/>
             </a:lvl8pPr>
             <a:lvl9pPr marL="3657600" indent="0">
               <a:buNone/>
-              <a:defRPr sz="1000"/>
+              <a:defRPr sz="900"/>
             </a:lvl9pPr>
           </a:lstStyle>
           <a:p>
             <a:pPr lvl="0"/>
             <a:r>
-              <a:rPr lang="en-US" smtClean="0"/>
-              <a:t>Edit Master text styles</a:t>
+              <a:rPr lang="en-US"/>
+              <a:t>Click to edit Master text styles</a:t>
             </a:r>
           </a:p>
         </p:txBody>
@@ -2097,7 +4361,7 @@
           <a:p>
             <a:fld id="{FDFC611B-1B77-4785-AA8D-B532A9780E21}" type="datetimeFigureOut">
               <a:rPr lang="en-IN" smtClean="0"/>
-              <a:t>22-04-2021</a:t>
+              <a:t>25-04-2021</a:t>
             </a:fld>
             <a:endParaRPr lang="en-IN"/>
           </a:p>
@@ -2148,7 +4412,7 @@
     </p:spTree>
     <p:extLst>
       <p:ext uri="{BB962C8B-B14F-4D97-AF65-F5344CB8AC3E}">
-        <p14:creationId xmlns:p14="http://schemas.microsoft.com/office/powerpoint/2010/main" val="4219721834"/>
+        <p14:creationId xmlns:p14="http://schemas.microsoft.com/office/powerpoint/2010/main" val="2381632476"/>
       </p:ext>
     </p:extLst>
   </p:cSld>
@@ -2187,170 +4451,230 @@
         </p:nvSpPr>
         <p:spPr>
           <a:xfrm>
-            <a:off x="839788" y="457200"/>
-            <a:ext cx="3932237" cy="1600200"/>
+            <a:off x="814728" y="727522"/>
+            <a:ext cx="4852988" cy="1617163"/>
           </a:xfrm>
         </p:spPr>
         <p:txBody>
-          <a:bodyPr anchor="b"/>
+          <a:bodyPr anchor="b">
+            <a:normAutofit/>
+          </a:bodyPr>
           <a:lstStyle>
-            <a:lvl1pPr>
-              <a:defRPr sz="3200"/>
+            <a:lvl1pPr algn="l">
+              <a:defRPr sz="2400" b="0"/>
             </a:lvl1pPr>
           </a:lstStyle>
           <a:p>
             <a:r>
-              <a:rPr lang="en-US" smtClean="0"/>
+              <a:rPr lang="en-US"/>
               <a:t>Click to edit Master title style</a:t>
             </a:r>
-            <a:endParaRPr lang="en-IN"/>
-          </a:p>
-        </p:txBody>
-      </p:sp>
-      <p:sp>
-        <p:nvSpPr>
-          <p:cNvPr id="3" name="Picture Placeholder 2"/>
-          <p:cNvSpPr>
-            <a:spLocks noGrp="1"/>
-          </p:cNvSpPr>
-          <p:nvPr>
-            <p:ph type="pic" idx="1"/>
+            <a:endParaRPr lang="en-US" dirty="0"/>
+          </a:p>
+        </p:txBody>
+      </p:sp>
+      <p:sp>
+        <p:nvSpPr>
+          <p:cNvPr id="9" name="Picture Placeholder 11"/>
+          <p:cNvSpPr>
+            <a:spLocks noGrp="1" noChangeAspect="1"/>
+          </p:cNvSpPr>
+          <p:nvPr>
+            <p:ph type="pic" sz="quarter" idx="13"/>
+          </p:nvPr>
+        </p:nvSpPr>
+        <p:spPr bwMode="auto">
+          <a:xfrm>
+            <a:off x="6098117" y="0"/>
+            <a:ext cx="6093883" cy="6858000"/>
+          </a:xfrm>
+          <a:custGeom>
+            <a:avLst/>
+            <a:gdLst/>
+            <a:ahLst/>
+            <a:cxnLst/>
+            <a:rect l="0" t="0" r="r" b="b"/>
+            <a:pathLst>
+              <a:path w="2879" h="4320">
+                <a:moveTo>
+                  <a:pt x="183" y="0"/>
+                </a:moveTo>
+                <a:lnTo>
+                  <a:pt x="183" y="1197"/>
+                </a:lnTo>
+                <a:lnTo>
+                  <a:pt x="8" y="1372"/>
+                </a:lnTo>
+                <a:lnTo>
+                  <a:pt x="8" y="1372"/>
+                </a:lnTo>
+                <a:lnTo>
+                  <a:pt x="6" y="1376"/>
+                </a:lnTo>
+                <a:lnTo>
+                  <a:pt x="3" y="1382"/>
+                </a:lnTo>
+                <a:lnTo>
+                  <a:pt x="0" y="1387"/>
+                </a:lnTo>
+                <a:lnTo>
+                  <a:pt x="0" y="1393"/>
+                </a:lnTo>
+                <a:lnTo>
+                  <a:pt x="0" y="1399"/>
+                </a:lnTo>
+                <a:lnTo>
+                  <a:pt x="3" y="1404"/>
+                </a:lnTo>
+                <a:lnTo>
+                  <a:pt x="6" y="1410"/>
+                </a:lnTo>
+                <a:lnTo>
+                  <a:pt x="8" y="1414"/>
+                </a:lnTo>
+                <a:lnTo>
+                  <a:pt x="183" y="1589"/>
+                </a:lnTo>
+                <a:lnTo>
+                  <a:pt x="183" y="4320"/>
+                </a:lnTo>
+                <a:lnTo>
+                  <a:pt x="2879" y="4320"/>
+                </a:lnTo>
+                <a:lnTo>
+                  <a:pt x="2879" y="0"/>
+                </a:lnTo>
+                <a:lnTo>
+                  <a:pt x="183" y="0"/>
+                </a:lnTo>
+                <a:close/>
+              </a:path>
+            </a:pathLst>
+          </a:custGeom>
+          <a:noFill/>
+          <a:ln w="9525">
+            <a:solidFill>
+              <a:schemeClr val="tx2"/>
+            </a:solidFill>
+            <a:round/>
+            <a:headEnd/>
+            <a:tailEnd/>
+          </a:ln>
+          <a:effectLst/>
+        </p:spPr>
+        <p:txBody>
+          <a:bodyPr wrap="square" numCol="1" anchor="t" anchorCtr="0" compatLnSpc="1">
+            <a:prstTxWarp prst="textNoShape">
+              <a:avLst/>
+            </a:prstTxWarp>
+            <a:normAutofit/>
+          </a:bodyPr>
+          <a:lstStyle>
+            <a:lvl1pPr algn="ctr">
+              <a:buFontTx/>
+              <a:buNone/>
+              <a:defRPr sz="1400"/>
+            </a:lvl1pPr>
+          </a:lstStyle>
+          <a:p>
+            <a:r>
+              <a:rPr lang="en-US"/>
+              <a:t>Click icon to add picture</a:t>
+            </a:r>
+            <a:endParaRPr lang="en-US" dirty="0"/>
+          </a:p>
+        </p:txBody>
+      </p:sp>
+      <p:sp>
+        <p:nvSpPr>
+          <p:cNvPr id="4" name="Text Placeholder 3"/>
+          <p:cNvSpPr>
+            <a:spLocks noGrp="1"/>
+          </p:cNvSpPr>
+          <p:nvPr>
+            <p:ph type="body" sz="half" idx="2"/>
           </p:nvPr>
         </p:nvSpPr>
         <p:spPr>
           <a:xfrm>
-            <a:off x="5183188" y="987425"/>
-            <a:ext cx="6172200" cy="4873625"/>
+            <a:off x="814728" y="2344684"/>
+            <a:ext cx="4852988" cy="3516365"/>
           </a:xfrm>
         </p:spPr>
         <p:txBody>
-          <a:bodyPr/>
+          <a:bodyPr anchor="t">
+            <a:normAutofit/>
+          </a:bodyPr>
           <a:lstStyle>
             <a:lvl1pPr marL="0" indent="0">
               <a:buNone/>
-              <a:defRPr sz="3200"/>
+              <a:defRPr sz="1200"/>
             </a:lvl1pPr>
             <a:lvl2pPr marL="457200" indent="0">
               <a:buNone/>
-              <a:defRPr sz="2800"/>
+              <a:defRPr sz="1200"/>
             </a:lvl2pPr>
             <a:lvl3pPr marL="914400" indent="0">
               <a:buNone/>
-              <a:defRPr sz="2400"/>
+              <a:defRPr sz="1000"/>
             </a:lvl3pPr>
             <a:lvl4pPr marL="1371600" indent="0">
               <a:buNone/>
-              <a:defRPr sz="2000"/>
+              <a:defRPr sz="900"/>
             </a:lvl4pPr>
             <a:lvl5pPr marL="1828800" indent="0">
               <a:buNone/>
-              <a:defRPr sz="2000"/>
+              <a:defRPr sz="900"/>
             </a:lvl5pPr>
             <a:lvl6pPr marL="2286000" indent="0">
               <a:buNone/>
-              <a:defRPr sz="2000"/>
+              <a:defRPr sz="900"/>
             </a:lvl6pPr>
             <a:lvl7pPr marL="2743200" indent="0">
               <a:buNone/>
-              <a:defRPr sz="2000"/>
+              <a:defRPr sz="900"/>
             </a:lvl7pPr>
             <a:lvl8pPr marL="3200400" indent="0">
               <a:buNone/>
-              <a:defRPr sz="2000"/>
+              <a:defRPr sz="900"/>
             </a:lvl8pPr>
             <a:lvl9pPr marL="3657600" indent="0">
               <a:buNone/>
-              <a:defRPr sz="2000"/>
+              <a:defRPr sz="900"/>
             </a:lvl9pPr>
           </a:lstStyle>
           <a:p>
-            <a:endParaRPr lang="en-IN"/>
-          </a:p>
-        </p:txBody>
-      </p:sp>
-      <p:sp>
-        <p:nvSpPr>
-          <p:cNvPr id="4" name="Text Placeholder 3"/>
-          <p:cNvSpPr>
-            <a:spLocks noGrp="1"/>
-          </p:cNvSpPr>
-          <p:nvPr>
-            <p:ph type="body" sz="half" idx="2"/>
+            <a:pPr lvl="0"/>
+            <a:r>
+              <a:rPr lang="en-US"/>
+              <a:t>Click to edit Master text styles</a:t>
+            </a:r>
+          </a:p>
+        </p:txBody>
+      </p:sp>
+      <p:sp>
+        <p:nvSpPr>
+          <p:cNvPr id="5" name="Date Placeholder 4"/>
+          <p:cNvSpPr>
+            <a:spLocks noGrp="1"/>
+          </p:cNvSpPr>
+          <p:nvPr>
+            <p:ph type="dt" sz="half" idx="10"/>
           </p:nvPr>
         </p:nvSpPr>
         <p:spPr>
           <a:xfrm>
-            <a:off x="839788" y="2057400"/>
-            <a:ext cx="3932237" cy="3811588"/>
+            <a:off x="3885810" y="6041362"/>
+            <a:ext cx="976879" cy="365125"/>
           </a:xfrm>
         </p:spPr>
         <p:txBody>
           <a:bodyPr/>
-          <a:lstStyle>
-            <a:lvl1pPr marL="0" indent="0">
-              <a:buNone/>
-              <a:defRPr sz="1600"/>
-            </a:lvl1pPr>
-            <a:lvl2pPr marL="457200" indent="0">
-              <a:buNone/>
-              <a:defRPr sz="1400"/>
-            </a:lvl2pPr>
-            <a:lvl3pPr marL="914400" indent="0">
-              <a:buNone/>
-              <a:defRPr sz="1200"/>
-            </a:lvl3pPr>
-            <a:lvl4pPr marL="1371600" indent="0">
-              <a:buNone/>
-              <a:defRPr sz="1000"/>
-            </a:lvl4pPr>
-            <a:lvl5pPr marL="1828800" indent="0">
-              <a:buNone/>
-              <a:defRPr sz="1000"/>
-            </a:lvl5pPr>
-            <a:lvl6pPr marL="2286000" indent="0">
-              <a:buNone/>
-              <a:defRPr sz="1000"/>
-            </a:lvl6pPr>
-            <a:lvl7pPr marL="2743200" indent="0">
-              <a:buNone/>
-              <a:defRPr sz="1000"/>
-            </a:lvl7pPr>
-            <a:lvl8pPr marL="3200400" indent="0">
-              <a:buNone/>
-              <a:defRPr sz="1000"/>
-            </a:lvl8pPr>
-            <a:lvl9pPr marL="3657600" indent="0">
-              <a:buNone/>
-              <a:defRPr sz="1000"/>
-            </a:lvl9pPr>
-          </a:lstStyle>
-          <a:p>
-            <a:pPr lvl="0"/>
-            <a:r>
-              <a:rPr lang="en-US" smtClean="0"/>
-              <a:t>Edit Master text styles</a:t>
-            </a:r>
-          </a:p>
-        </p:txBody>
-      </p:sp>
-      <p:sp>
-        <p:nvSpPr>
-          <p:cNvPr id="5" name="Date Placeholder 4"/>
-          <p:cNvSpPr>
-            <a:spLocks noGrp="1"/>
-          </p:cNvSpPr>
-          <p:nvPr>
-            <p:ph type="dt" sz="half" idx="10"/>
-          </p:nvPr>
-        </p:nvSpPr>
-        <p:spPr/>
-        <p:txBody>
-          <a:bodyPr/>
           <a:lstStyle/>
           <a:p>
             <a:fld id="{FDFC611B-1B77-4785-AA8D-B532A9780E21}" type="datetimeFigureOut">
               <a:rPr lang="en-IN" smtClean="0"/>
-              <a:t>22-04-2021</a:t>
+              <a:t>25-04-2021</a:t>
             </a:fld>
             <a:endParaRPr lang="en-IN"/>
           </a:p>
@@ -2366,7 +4690,12 @@
             <p:ph type="ftr" sz="quarter" idx="11"/>
           </p:nvPr>
         </p:nvSpPr>
-        <p:spPr/>
+        <p:spPr>
+          <a:xfrm>
+            <a:off x="590396" y="6041362"/>
+            <a:ext cx="3295413" cy="365125"/>
+          </a:xfrm>
+        </p:spPr>
         <p:txBody>
           <a:bodyPr/>
           <a:lstStyle/>
@@ -2385,7 +4714,12 @@
             <p:ph type="sldNum" sz="quarter" idx="12"/>
           </p:nvPr>
         </p:nvSpPr>
-        <p:spPr/>
+        <p:spPr>
+          <a:xfrm>
+            <a:off x="4862689" y="5915888"/>
+            <a:ext cx="1062155" cy="490599"/>
+          </a:xfrm>
+        </p:spPr>
         <p:txBody>
           <a:bodyPr/>
           <a:lstStyle/>
@@ -2401,7 +4735,7 @@
     </p:spTree>
     <p:extLst>
       <p:ext uri="{BB962C8B-B14F-4D97-AF65-F5344CB8AC3E}">
-        <p14:creationId xmlns:p14="http://schemas.microsoft.com/office/powerpoint/2010/main" val="172484271"/>
+        <p14:creationId xmlns:p14="http://schemas.microsoft.com/office/powerpoint/2010/main" val="788810399"/>
       </p:ext>
     </p:extLst>
   </p:cSld>
@@ -2416,7 +4750,7 @@
   <p:cSld>
     <p:bg>
       <p:bgRef idx="1001">
-        <a:schemeClr val="bg1"/>
+        <a:schemeClr val="bg2"/>
       </p:bgRef>
     </p:bg>
     <p:spTree>
@@ -2445,195 +4779,203 @@
         </p:nvSpPr>
         <p:spPr>
           <a:xfrm>
-            <a:off x="838200" y="365125"/>
-            <a:ext cx="10515600" cy="1325563"/>
+            <a:off x="810000" y="447188"/>
+            <a:ext cx="10571998" cy="970450"/>
+          </a:xfrm>
+          <a:prstGeom prst="rect">
+            <a:avLst/>
+          </a:prstGeom>
+          <a:effectLst>
+            <a:outerShdw blurRad="50800" dir="14400000">
+              <a:srgbClr val="000000">
+                <a:alpha val="60000"/>
+              </a:srgbClr>
+            </a:outerShdw>
+          </a:effectLst>
+        </p:spPr>
+        <p:txBody>
+          <a:bodyPr vert="horz" lIns="91440" tIns="45720" rIns="91440" bIns="45720" rtlCol="0" anchor="b">
+            <a:noAutofit/>
+          </a:bodyPr>
+          <a:lstStyle/>
+          <a:p>
+            <a:r>
+              <a:rPr lang="en-US"/>
+              <a:t>Click to edit Master title style</a:t>
+            </a:r>
+            <a:endParaRPr lang="en-US" dirty="0"/>
+          </a:p>
+        </p:txBody>
+      </p:sp>
+      <p:sp>
+        <p:nvSpPr>
+          <p:cNvPr id="3" name="Text Placeholder 2"/>
+          <p:cNvSpPr>
+            <a:spLocks noGrp="1"/>
+          </p:cNvSpPr>
+          <p:nvPr>
+            <p:ph type="body" idx="1"/>
+          </p:nvPr>
+        </p:nvSpPr>
+        <p:spPr>
+          <a:xfrm>
+            <a:off x="810000" y="2184401"/>
+            <a:ext cx="10563285" cy="3674397"/>
+          </a:xfrm>
+          <a:prstGeom prst="rect">
+            <a:avLst/>
+          </a:prstGeom>
+          <a:effectLst>
+            <a:outerShdw blurRad="50800" dir="14400000">
+              <a:srgbClr val="000000">
+                <a:alpha val="40000"/>
+              </a:srgbClr>
+            </a:outerShdw>
+          </a:effectLst>
+        </p:spPr>
+        <p:txBody>
+          <a:bodyPr vert="horz" lIns="91440" tIns="45720" rIns="91440" bIns="45720" rtlCol="0" anchor="ctr">
+            <a:normAutofit/>
+          </a:bodyPr>
+          <a:lstStyle/>
+          <a:p>
+            <a:pPr lvl="0"/>
+            <a:r>
+              <a:rPr lang="en-US"/>
+              <a:t>Click to edit Master text styles</a:t>
+            </a:r>
+          </a:p>
+          <a:p>
+            <a:pPr lvl="1"/>
+            <a:r>
+              <a:rPr lang="en-US"/>
+              <a:t>Second level</a:t>
+            </a:r>
+          </a:p>
+          <a:p>
+            <a:pPr lvl="2"/>
+            <a:r>
+              <a:rPr lang="en-US"/>
+              <a:t>Third level</a:t>
+            </a:r>
+          </a:p>
+          <a:p>
+            <a:pPr lvl="3"/>
+            <a:r>
+              <a:rPr lang="en-US"/>
+              <a:t>Fourth level</a:t>
+            </a:r>
+          </a:p>
+          <a:p>
+            <a:pPr lvl="4"/>
+            <a:r>
+              <a:rPr lang="en-US"/>
+              <a:t>Fifth level</a:t>
+            </a:r>
+            <a:endParaRPr lang="en-US" dirty="0"/>
+          </a:p>
+        </p:txBody>
+      </p:sp>
+      <p:sp>
+        <p:nvSpPr>
+          <p:cNvPr id="5" name="Footer Placeholder 4"/>
+          <p:cNvSpPr>
+            <a:spLocks noGrp="1"/>
+          </p:cNvSpPr>
+          <p:nvPr>
+            <p:ph type="ftr" sz="quarter" idx="3"/>
+          </p:nvPr>
+        </p:nvSpPr>
+        <p:spPr>
+          <a:xfrm>
+            <a:off x="451514" y="6041362"/>
+            <a:ext cx="8644320" cy="365125"/>
           </a:xfrm>
           <a:prstGeom prst="rect">
             <a:avLst/>
           </a:prstGeom>
         </p:spPr>
         <p:txBody>
-          <a:bodyPr vert="horz" lIns="91440" tIns="45720" rIns="91440" bIns="45720" rtlCol="0" anchor="ctr">
-            <a:normAutofit/>
-          </a:bodyPr>
-          <a:lstStyle/>
-          <a:p>
-            <a:r>
-              <a:rPr lang="en-US" smtClean="0"/>
-              <a:t>Click to edit Master title style</a:t>
-            </a:r>
+          <a:bodyPr vert="horz" lIns="91440" tIns="45720" rIns="91440" bIns="45720" rtlCol="0" anchor="b"/>
+          <a:lstStyle>
+            <a:lvl1pPr algn="l">
+              <a:defRPr sz="900">
+                <a:solidFill>
+                  <a:schemeClr val="tx1"/>
+                </a:solidFill>
+              </a:defRPr>
+            </a:lvl1pPr>
+          </a:lstStyle>
+          <a:p>
             <a:endParaRPr lang="en-IN"/>
           </a:p>
         </p:txBody>
       </p:sp>
       <p:sp>
         <p:nvSpPr>
-          <p:cNvPr id="3" name="Text Placeholder 2"/>
-          <p:cNvSpPr>
-            <a:spLocks noGrp="1"/>
-          </p:cNvSpPr>
-          <p:nvPr>
-            <p:ph type="body" idx="1"/>
+          <p:cNvPr id="4" name="Date Placeholder 3"/>
+          <p:cNvSpPr>
+            <a:spLocks noGrp="1"/>
+          </p:cNvSpPr>
+          <p:nvPr>
+            <p:ph type="dt" sz="half" idx="2"/>
           </p:nvPr>
         </p:nvSpPr>
         <p:spPr>
           <a:xfrm>
-            <a:off x="838200" y="1825625"/>
-            <a:ext cx="10515600" cy="4351338"/>
+            <a:off x="9334626" y="6041362"/>
+            <a:ext cx="1343706" cy="365125"/>
           </a:xfrm>
           <a:prstGeom prst="rect">
             <a:avLst/>
           </a:prstGeom>
         </p:spPr>
         <p:txBody>
-          <a:bodyPr vert="horz" lIns="91440" tIns="45720" rIns="91440" bIns="45720" rtlCol="0">
-            <a:normAutofit/>
-          </a:bodyPr>
-          <a:lstStyle/>
-          <a:p>
-            <a:pPr lvl="0"/>
-            <a:r>
-              <a:rPr lang="en-US" smtClean="0"/>
-              <a:t>Edit Master text styles</a:t>
-            </a:r>
-          </a:p>
-          <a:p>
-            <a:pPr lvl="1"/>
-            <a:r>
-              <a:rPr lang="en-US" smtClean="0"/>
-              <a:t>Second level</a:t>
-            </a:r>
-          </a:p>
-          <a:p>
-            <a:pPr lvl="2"/>
-            <a:r>
-              <a:rPr lang="en-US" smtClean="0"/>
-              <a:t>Third level</a:t>
-            </a:r>
-          </a:p>
-          <a:p>
-            <a:pPr lvl="3"/>
-            <a:r>
-              <a:rPr lang="en-US" smtClean="0"/>
-              <a:t>Fourth level</a:t>
-            </a:r>
-          </a:p>
-          <a:p>
-            <a:pPr lvl="4"/>
-            <a:r>
-              <a:rPr lang="en-US" smtClean="0"/>
-              <a:t>Fifth level</a:t>
-            </a:r>
+          <a:bodyPr vert="horz" lIns="91440" tIns="45720" rIns="91440" bIns="45720" rtlCol="0" anchor="b"/>
+          <a:lstStyle>
+            <a:lvl1pPr algn="r">
+              <a:defRPr sz="900">
+                <a:solidFill>
+                  <a:schemeClr val="tx1"/>
+                </a:solidFill>
+              </a:defRPr>
+            </a:lvl1pPr>
+          </a:lstStyle>
+          <a:p>
+            <a:fld id="{FDFC611B-1B77-4785-AA8D-B532A9780E21}" type="datetimeFigureOut">
+              <a:rPr lang="en-IN" smtClean="0"/>
+              <a:t>25-04-2021</a:t>
+            </a:fld>
             <a:endParaRPr lang="en-IN"/>
           </a:p>
         </p:txBody>
       </p:sp>
       <p:sp>
         <p:nvSpPr>
-          <p:cNvPr id="4" name="Date Placeholder 3"/>
-          <p:cNvSpPr>
-            <a:spLocks noGrp="1"/>
-          </p:cNvSpPr>
-          <p:nvPr>
-            <p:ph type="dt" sz="half" idx="2"/>
+          <p:cNvPr id="6" name="Slide Number Placeholder 5"/>
+          <p:cNvSpPr>
+            <a:spLocks noGrp="1"/>
+          </p:cNvSpPr>
+          <p:nvPr>
+            <p:ph type="sldNum" sz="quarter" idx="4"/>
           </p:nvPr>
         </p:nvSpPr>
         <p:spPr>
           <a:xfrm>
-            <a:off x="838200" y="6356350"/>
-            <a:ext cx="2743200" cy="365125"/>
+            <a:off x="10678331" y="5915888"/>
+            <a:ext cx="1062155" cy="490599"/>
           </a:xfrm>
           <a:prstGeom prst="rect">
             <a:avLst/>
           </a:prstGeom>
         </p:spPr>
         <p:txBody>
-          <a:bodyPr vert="horz" lIns="91440" tIns="45720" rIns="91440" bIns="45720" rtlCol="0" anchor="ctr"/>
-          <a:lstStyle>
-            <a:lvl1pPr algn="l">
-              <a:defRPr sz="1200">
-                <a:solidFill>
-                  <a:schemeClr val="tx1">
-                    <a:tint val="75000"/>
-                  </a:schemeClr>
-                </a:solidFill>
-              </a:defRPr>
-            </a:lvl1pPr>
-          </a:lstStyle>
-          <a:p>
-            <a:fld id="{FDFC611B-1B77-4785-AA8D-B532A9780E21}" type="datetimeFigureOut">
-              <a:rPr lang="en-IN" smtClean="0"/>
-              <a:t>22-04-2021</a:t>
-            </a:fld>
-            <a:endParaRPr lang="en-IN"/>
-          </a:p>
-        </p:txBody>
-      </p:sp>
-      <p:sp>
-        <p:nvSpPr>
-          <p:cNvPr id="5" name="Footer Placeholder 4"/>
-          <p:cNvSpPr>
-            <a:spLocks noGrp="1"/>
-          </p:cNvSpPr>
-          <p:nvPr>
-            <p:ph type="ftr" sz="quarter" idx="3"/>
-          </p:nvPr>
-        </p:nvSpPr>
-        <p:spPr>
-          <a:xfrm>
-            <a:off x="4038600" y="6356350"/>
-            <a:ext cx="4114800" cy="365125"/>
-          </a:xfrm>
-          <a:prstGeom prst="rect">
-            <a:avLst/>
-          </a:prstGeom>
-        </p:spPr>
-        <p:txBody>
-          <a:bodyPr vert="horz" lIns="91440" tIns="45720" rIns="91440" bIns="45720" rtlCol="0" anchor="ctr"/>
-          <a:lstStyle>
-            <a:lvl1pPr algn="ctr">
-              <a:defRPr sz="1200">
-                <a:solidFill>
-                  <a:schemeClr val="tx1">
-                    <a:tint val="75000"/>
-                  </a:schemeClr>
-                </a:solidFill>
-              </a:defRPr>
-            </a:lvl1pPr>
-          </a:lstStyle>
-          <a:p>
-            <a:endParaRPr lang="en-IN"/>
-          </a:p>
-        </p:txBody>
-      </p:sp>
-      <p:sp>
-        <p:nvSpPr>
-          <p:cNvPr id="6" name="Slide Number Placeholder 5"/>
-          <p:cNvSpPr>
-            <a:spLocks noGrp="1"/>
-          </p:cNvSpPr>
-          <p:nvPr>
-            <p:ph type="sldNum" sz="quarter" idx="4"/>
-          </p:nvPr>
-        </p:nvSpPr>
-        <p:spPr>
-          <a:xfrm>
-            <a:off x="8610600" y="6356350"/>
-            <a:ext cx="2743200" cy="365125"/>
-          </a:xfrm>
-          <a:prstGeom prst="rect">
-            <a:avLst/>
-          </a:prstGeom>
-        </p:spPr>
-        <p:txBody>
-          <a:bodyPr vert="horz" lIns="91440" tIns="45720" rIns="91440" bIns="45720" rtlCol="0" anchor="ctr"/>
+          <a:bodyPr vert="horz" lIns="91440" tIns="45720" rIns="91440" bIns="10800" rtlCol="0" anchor="b"/>
           <a:lstStyle>
             <a:lvl1pPr algn="r">
-              <a:defRPr sz="1200">
+              <a:defRPr sz="2000">
                 <a:solidFill>
-                  <a:schemeClr val="tx1">
-                    <a:tint val="75000"/>
-                  </a:schemeClr>
+                  <a:schemeClr val="accent1"/>
                 </a:solidFill>
               </a:defRPr>
             </a:lvl1pPr>
@@ -2650,55 +4992,114 @@
     </p:spTree>
     <p:extLst>
       <p:ext uri="{BB962C8B-B14F-4D97-AF65-F5344CB8AC3E}">
-        <p14:creationId xmlns:p14="http://schemas.microsoft.com/office/powerpoint/2010/main" val="3518675575"/>
+        <p14:creationId xmlns:p14="http://schemas.microsoft.com/office/powerpoint/2010/main" val="2628465036"/>
       </p:ext>
     </p:extLst>
   </p:cSld>
-  <p:clrMap bg1="lt1" tx1="dk1" bg2="lt2" tx2="dk2" accent1="accent1" accent2="accent2" accent3="accent3" accent4="accent4" accent5="accent5" accent6="accent6" hlink="hlink" folHlink="folHlink"/>
+  <p:clrMap bg1="dk1" tx1="lt1" bg2="dk2" tx2="lt2" accent1="accent1" accent2="accent2" accent3="accent3" accent4="accent4" accent5="accent5" accent6="accent6" hlink="hlink" folHlink="folHlink"/>
   <p:sldLayoutIdLst>
-    <p:sldLayoutId id="2147483649" r:id="rId1"/>
-    <p:sldLayoutId id="2147483650" r:id="rId2"/>
-    <p:sldLayoutId id="2147483651" r:id="rId3"/>
-    <p:sldLayoutId id="2147483652" r:id="rId4"/>
-    <p:sldLayoutId id="2147483653" r:id="rId5"/>
-    <p:sldLayoutId id="2147483654" r:id="rId6"/>
-    <p:sldLayoutId id="2147483655" r:id="rId7"/>
-    <p:sldLayoutId id="2147483656" r:id="rId8"/>
-    <p:sldLayoutId id="2147483657" r:id="rId9"/>
-    <p:sldLayoutId id="2147483658" r:id="rId10"/>
-    <p:sldLayoutId id="2147483659" r:id="rId11"/>
+    <p:sldLayoutId id="2147483661" r:id="rId1"/>
+    <p:sldLayoutId id="2147483662" r:id="rId2"/>
+    <p:sldLayoutId id="2147483663" r:id="rId3"/>
+    <p:sldLayoutId id="2147483664" r:id="rId4"/>
+    <p:sldLayoutId id="2147483665" r:id="rId5"/>
+    <p:sldLayoutId id="2147483666" r:id="rId6"/>
+    <p:sldLayoutId id="2147483667" r:id="rId7"/>
+    <p:sldLayoutId id="2147483668" r:id="rId8"/>
+    <p:sldLayoutId id="2147483669" r:id="rId9"/>
+    <p:sldLayoutId id="2147483670" r:id="rId10"/>
+    <p:sldLayoutId id="2147483671" r:id="rId11"/>
+    <p:sldLayoutId id="2147483672" r:id="rId12"/>
+    <p:sldLayoutId id="2147483673" r:id="rId13"/>
+    <p:sldLayoutId id="2147483674" r:id="rId14"/>
   </p:sldLayoutIdLst>
   <p:txStyles>
     <p:titleStyle>
-      <a:lvl1pPr algn="l" defTabSz="914400" rtl="0" eaLnBrk="1" latinLnBrk="0" hangingPunct="1">
-        <a:lnSpc>
-          <a:spcPct val="90000"/>
-        </a:lnSpc>
+      <a:lvl1pPr algn="l" defTabSz="457200" rtl="0" eaLnBrk="1" latinLnBrk="0" hangingPunct="1">
         <a:spcBef>
           <a:spcPct val="0"/>
         </a:spcBef>
         <a:buNone/>
-        <a:defRPr sz="4400" kern="1200">
+        <a:defRPr sz="4000" b="1" kern="1200">
           <a:solidFill>
-            <a:schemeClr val="tx1"/>
+            <a:srgbClr val="FEFEFE"/>
           </a:solidFill>
           <a:latin typeface="+mj-lt"/>
           <a:ea typeface="+mj-ea"/>
           <a:cs typeface="+mj-cs"/>
         </a:defRPr>
       </a:lvl1pPr>
+      <a:lvl2pPr eaLnBrk="1" hangingPunct="1">
+        <a:defRPr>
+          <a:solidFill>
+            <a:schemeClr val="tx2"/>
+          </a:solidFill>
+        </a:defRPr>
+      </a:lvl2pPr>
+      <a:lvl3pPr eaLnBrk="1" hangingPunct="1">
+        <a:defRPr>
+          <a:solidFill>
+            <a:schemeClr val="tx2"/>
+          </a:solidFill>
+        </a:defRPr>
+      </a:lvl3pPr>
+      <a:lvl4pPr eaLnBrk="1" hangingPunct="1">
+        <a:defRPr>
+          <a:solidFill>
+            <a:schemeClr val="tx2"/>
+          </a:solidFill>
+        </a:defRPr>
+      </a:lvl4pPr>
+      <a:lvl5pPr eaLnBrk="1" hangingPunct="1">
+        <a:defRPr>
+          <a:solidFill>
+            <a:schemeClr val="tx2"/>
+          </a:solidFill>
+        </a:defRPr>
+      </a:lvl5pPr>
+      <a:lvl6pPr eaLnBrk="1" hangingPunct="1">
+        <a:defRPr>
+          <a:solidFill>
+            <a:schemeClr val="tx2"/>
+          </a:solidFill>
+        </a:defRPr>
+      </a:lvl6pPr>
+      <a:lvl7pPr eaLnBrk="1" hangingPunct="1">
+        <a:defRPr>
+          <a:solidFill>
+            <a:schemeClr val="tx2"/>
+          </a:solidFill>
+        </a:defRPr>
+      </a:lvl7pPr>
+      <a:lvl8pPr eaLnBrk="1" hangingPunct="1">
+        <a:defRPr>
+          <a:solidFill>
+            <a:schemeClr val="tx2"/>
+          </a:solidFill>
+        </a:defRPr>
+      </a:lvl8pPr>
+      <a:lvl9pPr eaLnBrk="1" hangingPunct="1">
+        <a:defRPr>
+          <a:solidFill>
+            <a:schemeClr val="tx2"/>
+          </a:solidFill>
+        </a:defRPr>
+      </a:lvl9pPr>
     </p:titleStyle>
     <p:bodyStyle>
-      <a:lvl1pPr marL="228600" indent="-228600" algn="l" defTabSz="914400" rtl="0" eaLnBrk="1" latinLnBrk="0" hangingPunct="1">
-        <a:lnSpc>
-          <a:spcPct val="90000"/>
-        </a:lnSpc>
+      <a:lvl1pPr marL="342900" indent="-342900" algn="l" defTabSz="457200" rtl="0" eaLnBrk="1" latinLnBrk="0" hangingPunct="1">
         <a:spcBef>
-          <a:spcPts val="1000"/>
+          <a:spcPct val="20000"/>
         </a:spcBef>
-        <a:buFont typeface="Arial" panose="020B0604020202020204" pitchFamily="34" charset="0"/>
-        <a:buChar char="•"/>
-        <a:defRPr sz="2800" kern="1200">
+        <a:spcAft>
+          <a:spcPts val="600"/>
+        </a:spcAft>
+        <a:buClr>
+          <a:schemeClr val="accent1"/>
+        </a:buClr>
+        <a:buFont typeface="Wingdings 2" charset="2"/>
+        <a:buChar char=""/>
+        <a:defRPr sz="1800" kern="1200">
           <a:solidFill>
             <a:schemeClr val="tx1"/>
           </a:solidFill>
@@ -2707,16 +5108,19 @@
           <a:cs typeface="+mn-cs"/>
         </a:defRPr>
       </a:lvl1pPr>
-      <a:lvl2pPr marL="685800" indent="-228600" algn="l" defTabSz="914400" rtl="0" eaLnBrk="1" latinLnBrk="0" hangingPunct="1">
-        <a:lnSpc>
-          <a:spcPct val="90000"/>
-        </a:lnSpc>
+      <a:lvl2pPr marL="742950" indent="-285750" algn="l" defTabSz="457200" rtl="0" eaLnBrk="1" latinLnBrk="0" hangingPunct="1">
         <a:spcBef>
-          <a:spcPts val="500"/>
+          <a:spcPct val="20000"/>
         </a:spcBef>
-        <a:buFont typeface="Arial" panose="020B0604020202020204" pitchFamily="34" charset="0"/>
-        <a:buChar char="•"/>
-        <a:defRPr sz="2400" kern="1200">
+        <a:spcAft>
+          <a:spcPts val="600"/>
+        </a:spcAft>
+        <a:buClr>
+          <a:schemeClr val="accent1"/>
+        </a:buClr>
+        <a:buFont typeface="Wingdings 2" charset="2"/>
+        <a:buChar char=""/>
+        <a:defRPr sz="1600" kern="1200">
           <a:solidFill>
             <a:schemeClr val="tx1"/>
           </a:solidFill>
@@ -2725,16 +5129,19 @@
           <a:cs typeface="+mn-cs"/>
         </a:defRPr>
       </a:lvl2pPr>
-      <a:lvl3pPr marL="1143000" indent="-228600" algn="l" defTabSz="914400" rtl="0" eaLnBrk="1" latinLnBrk="0" hangingPunct="1">
-        <a:lnSpc>
-          <a:spcPct val="90000"/>
-        </a:lnSpc>
+      <a:lvl3pPr marL="1143000" indent="-228600" algn="l" defTabSz="457200" rtl="0" eaLnBrk="1" latinLnBrk="0" hangingPunct="1">
         <a:spcBef>
-          <a:spcPts val="500"/>
+          <a:spcPct val="20000"/>
         </a:spcBef>
-        <a:buFont typeface="Arial" panose="020B0604020202020204" pitchFamily="34" charset="0"/>
-        <a:buChar char="•"/>
-        <a:defRPr sz="2000" kern="1200">
+        <a:spcAft>
+          <a:spcPts val="600"/>
+        </a:spcAft>
+        <a:buClr>
+          <a:schemeClr val="accent1"/>
+        </a:buClr>
+        <a:buFont typeface="Wingdings 2" charset="2"/>
+        <a:buChar char=""/>
+        <a:defRPr sz="1400" kern="1200">
           <a:solidFill>
             <a:schemeClr val="tx1"/>
           </a:solidFill>
@@ -2743,16 +5150,19 @@
           <a:cs typeface="+mn-cs"/>
         </a:defRPr>
       </a:lvl3pPr>
-      <a:lvl4pPr marL="1600200" indent="-228600" algn="l" defTabSz="914400" rtl="0" eaLnBrk="1" latinLnBrk="0" hangingPunct="1">
-        <a:lnSpc>
-          <a:spcPct val="90000"/>
-        </a:lnSpc>
+      <a:lvl4pPr marL="1600200" indent="-228600" algn="l" defTabSz="457200" rtl="0" eaLnBrk="1" latinLnBrk="0" hangingPunct="1">
         <a:spcBef>
-          <a:spcPts val="500"/>
+          <a:spcPct val="20000"/>
         </a:spcBef>
-        <a:buFont typeface="Arial" panose="020B0604020202020204" pitchFamily="34" charset="0"/>
-        <a:buChar char="•"/>
-        <a:defRPr sz="1800" kern="1200">
+        <a:spcAft>
+          <a:spcPts val="600"/>
+        </a:spcAft>
+        <a:buClr>
+          <a:schemeClr val="accent1"/>
+        </a:buClr>
+        <a:buFont typeface="Wingdings 2" charset="2"/>
+        <a:buChar char=""/>
+        <a:defRPr sz="1200" kern="1200">
           <a:solidFill>
             <a:schemeClr val="tx1"/>
           </a:solidFill>
@@ -2761,16 +5171,19 @@
           <a:cs typeface="+mn-cs"/>
         </a:defRPr>
       </a:lvl4pPr>
-      <a:lvl5pPr marL="2057400" indent="-228600" algn="l" defTabSz="914400" rtl="0" eaLnBrk="1" latinLnBrk="0" hangingPunct="1">
-        <a:lnSpc>
-          <a:spcPct val="90000"/>
-        </a:lnSpc>
+      <a:lvl5pPr marL="2057400" indent="-228600" algn="l" defTabSz="457200" rtl="0" eaLnBrk="1" latinLnBrk="0" hangingPunct="1">
         <a:spcBef>
-          <a:spcPts val="500"/>
+          <a:spcPct val="20000"/>
         </a:spcBef>
-        <a:buFont typeface="Arial" panose="020B0604020202020204" pitchFamily="34" charset="0"/>
-        <a:buChar char="•"/>
-        <a:defRPr sz="1800" kern="1200">
+        <a:spcAft>
+          <a:spcPts val="600"/>
+        </a:spcAft>
+        <a:buClr>
+          <a:schemeClr val="accent1"/>
+        </a:buClr>
+        <a:buFont typeface="Wingdings 2" charset="2"/>
+        <a:buChar char=""/>
+        <a:defRPr sz="1200" kern="1200">
           <a:solidFill>
             <a:schemeClr val="tx1"/>
           </a:solidFill>
@@ -2779,16 +5192,19 @@
           <a:cs typeface="+mn-cs"/>
         </a:defRPr>
       </a:lvl5pPr>
-      <a:lvl6pPr marL="2514600" indent="-228600" algn="l" defTabSz="914400" rtl="0" eaLnBrk="1" latinLnBrk="0" hangingPunct="1">
-        <a:lnSpc>
-          <a:spcPct val="90000"/>
-        </a:lnSpc>
+      <a:lvl6pPr marL="2400000" indent="-228600" algn="l" defTabSz="457200" rtl="0" eaLnBrk="1" latinLnBrk="0" hangingPunct="1">
         <a:spcBef>
-          <a:spcPts val="500"/>
+          <a:spcPct val="20000"/>
         </a:spcBef>
-        <a:buFont typeface="Arial" panose="020B0604020202020204" pitchFamily="34" charset="0"/>
-        <a:buChar char="•"/>
-        <a:defRPr sz="1800" kern="1200">
+        <a:spcAft>
+          <a:spcPts val="600"/>
+        </a:spcAft>
+        <a:buClr>
+          <a:schemeClr val="accent1"/>
+        </a:buClr>
+        <a:buFont typeface="Wingdings 2" charset="2"/>
+        <a:buChar char=""/>
+        <a:defRPr sz="1200" kern="1200">
           <a:solidFill>
             <a:schemeClr val="tx1"/>
           </a:solidFill>
@@ -2797,16 +5213,19 @@
           <a:cs typeface="+mn-cs"/>
         </a:defRPr>
       </a:lvl6pPr>
-      <a:lvl7pPr marL="2971800" indent="-228600" algn="l" defTabSz="914400" rtl="0" eaLnBrk="1" latinLnBrk="0" hangingPunct="1">
-        <a:lnSpc>
-          <a:spcPct val="90000"/>
-        </a:lnSpc>
+      <a:lvl7pPr marL="2800000" indent="-228600" algn="l" defTabSz="457200" rtl="0" eaLnBrk="1" latinLnBrk="0" hangingPunct="1">
         <a:spcBef>
-          <a:spcPts val="500"/>
+          <a:spcPct val="20000"/>
         </a:spcBef>
-        <a:buFont typeface="Arial" panose="020B0604020202020204" pitchFamily="34" charset="0"/>
-        <a:buChar char="•"/>
-        <a:defRPr sz="1800" kern="1200">
+        <a:spcAft>
+          <a:spcPts val="600"/>
+        </a:spcAft>
+        <a:buClr>
+          <a:schemeClr val="accent1"/>
+        </a:buClr>
+        <a:buFont typeface="Wingdings 2" charset="2"/>
+        <a:buChar char=""/>
+        <a:defRPr sz="1200" kern="1200">
           <a:solidFill>
             <a:schemeClr val="tx1"/>
           </a:solidFill>
@@ -2815,16 +5234,19 @@
           <a:cs typeface="+mn-cs"/>
         </a:defRPr>
       </a:lvl7pPr>
-      <a:lvl8pPr marL="3429000" indent="-228600" algn="l" defTabSz="914400" rtl="0" eaLnBrk="1" latinLnBrk="0" hangingPunct="1">
-        <a:lnSpc>
-          <a:spcPct val="90000"/>
-        </a:lnSpc>
+      <a:lvl8pPr marL="3200000" indent="-228600" algn="l" defTabSz="457200" rtl="0" eaLnBrk="1" latinLnBrk="0" hangingPunct="1">
         <a:spcBef>
-          <a:spcPts val="500"/>
+          <a:spcPct val="20000"/>
         </a:spcBef>
-        <a:buFont typeface="Arial" panose="020B0604020202020204" pitchFamily="34" charset="0"/>
-        <a:buChar char="•"/>
-        <a:defRPr sz="1800" kern="1200">
+        <a:spcAft>
+          <a:spcPts val="600"/>
+        </a:spcAft>
+        <a:buClr>
+          <a:schemeClr val="accent1"/>
+        </a:buClr>
+        <a:buFont typeface="Wingdings 2" charset="2"/>
+        <a:buChar char=""/>
+        <a:defRPr sz="1200" kern="1200">
           <a:solidFill>
             <a:schemeClr val="tx1"/>
           </a:solidFill>
@@ -2833,16 +5255,19 @@
           <a:cs typeface="+mn-cs"/>
         </a:defRPr>
       </a:lvl8pPr>
-      <a:lvl9pPr marL="3886200" indent="-228600" algn="l" defTabSz="914400" rtl="0" eaLnBrk="1" latinLnBrk="0" hangingPunct="1">
-        <a:lnSpc>
-          <a:spcPct val="90000"/>
-        </a:lnSpc>
+      <a:lvl9pPr marL="3600000" indent="-228600" algn="l" defTabSz="457200" rtl="0" eaLnBrk="1" latinLnBrk="0" hangingPunct="1">
         <a:spcBef>
-          <a:spcPts val="500"/>
+          <a:spcPct val="20000"/>
         </a:spcBef>
-        <a:buFont typeface="Arial" panose="020B0604020202020204" pitchFamily="34" charset="0"/>
-        <a:buChar char="•"/>
-        <a:defRPr sz="1800" kern="1200">
+        <a:spcAft>
+          <a:spcPts val="600"/>
+        </a:spcAft>
+        <a:buClr>
+          <a:schemeClr val="accent1"/>
+        </a:buClr>
+        <a:buFont typeface="Wingdings 2" charset="2"/>
+        <a:buChar char=""/>
+        <a:defRPr sz="1200" kern="1200">
           <a:solidFill>
             <a:schemeClr val="tx1"/>
           </a:solidFill>
@@ -2856,7 +5281,7 @@
       <a:defPPr>
         <a:defRPr lang="en-US"/>
       </a:defPPr>
-      <a:lvl1pPr marL="0" algn="l" defTabSz="914400" rtl="0" eaLnBrk="1" latinLnBrk="0" hangingPunct="1">
+      <a:lvl1pPr marL="0" algn="l" defTabSz="457200" rtl="0" eaLnBrk="1" latinLnBrk="0" hangingPunct="1">
         <a:defRPr sz="1800" kern="1200">
           <a:solidFill>
             <a:schemeClr val="tx1"/>
@@ -2866,7 +5291,7 @@
           <a:cs typeface="+mn-cs"/>
         </a:defRPr>
       </a:lvl1pPr>
-      <a:lvl2pPr marL="457200" algn="l" defTabSz="914400" rtl="0" eaLnBrk="1" latinLnBrk="0" hangingPunct="1">
+      <a:lvl2pPr marL="457200" algn="l" defTabSz="457200" rtl="0" eaLnBrk="1" latinLnBrk="0" hangingPunct="1">
         <a:defRPr sz="1800" kern="1200">
           <a:solidFill>
             <a:schemeClr val="tx1"/>
@@ -2876,7 +5301,7 @@
           <a:cs typeface="+mn-cs"/>
         </a:defRPr>
       </a:lvl2pPr>
-      <a:lvl3pPr marL="914400" algn="l" defTabSz="914400" rtl="0" eaLnBrk="1" latinLnBrk="0" hangingPunct="1">
+      <a:lvl3pPr marL="914400" algn="l" defTabSz="457200" rtl="0" eaLnBrk="1" latinLnBrk="0" hangingPunct="1">
         <a:defRPr sz="1800" kern="1200">
           <a:solidFill>
             <a:schemeClr val="tx1"/>
@@ -2886,7 +5311,7 @@
           <a:cs typeface="+mn-cs"/>
         </a:defRPr>
       </a:lvl3pPr>
-      <a:lvl4pPr marL="1371600" algn="l" defTabSz="914400" rtl="0" eaLnBrk="1" latinLnBrk="0" hangingPunct="1">
+      <a:lvl4pPr marL="1371600" algn="l" defTabSz="457200" rtl="0" eaLnBrk="1" latinLnBrk="0" hangingPunct="1">
         <a:defRPr sz="1800" kern="1200">
           <a:solidFill>
             <a:schemeClr val="tx1"/>
@@ -2896,7 +5321,7 @@
           <a:cs typeface="+mn-cs"/>
         </a:defRPr>
       </a:lvl4pPr>
-      <a:lvl5pPr marL="1828800" algn="l" defTabSz="914400" rtl="0" eaLnBrk="1" latinLnBrk="0" hangingPunct="1">
+      <a:lvl5pPr marL="1828800" algn="l" defTabSz="457200" rtl="0" eaLnBrk="1" latinLnBrk="0" hangingPunct="1">
         <a:defRPr sz="1800" kern="1200">
           <a:solidFill>
             <a:schemeClr val="tx1"/>
@@ -2906,7 +5331,7 @@
           <a:cs typeface="+mn-cs"/>
         </a:defRPr>
       </a:lvl5pPr>
-      <a:lvl6pPr marL="2286000" algn="l" defTabSz="914400" rtl="0" eaLnBrk="1" latinLnBrk="0" hangingPunct="1">
+      <a:lvl6pPr marL="2286000" algn="l" defTabSz="457200" rtl="0" eaLnBrk="1" latinLnBrk="0" hangingPunct="1">
         <a:defRPr sz="1800" kern="1200">
           <a:solidFill>
             <a:schemeClr val="tx1"/>
@@ -2916,7 +5341,7 @@
           <a:cs typeface="+mn-cs"/>
         </a:defRPr>
       </a:lvl6pPr>
-      <a:lvl7pPr marL="2743200" algn="l" defTabSz="914400" rtl="0" eaLnBrk="1" latinLnBrk="0" hangingPunct="1">
+      <a:lvl7pPr marL="2743200" algn="l" defTabSz="457200" rtl="0" eaLnBrk="1" latinLnBrk="0" hangingPunct="1">
         <a:defRPr sz="1800" kern="1200">
           <a:solidFill>
             <a:schemeClr val="tx1"/>
@@ -2926,7 +5351,7 @@
           <a:cs typeface="+mn-cs"/>
         </a:defRPr>
       </a:lvl7pPr>
-      <a:lvl8pPr marL="3200400" algn="l" defTabSz="914400" rtl="0" eaLnBrk="1" latinLnBrk="0" hangingPunct="1">
+      <a:lvl8pPr marL="3200400" algn="l" defTabSz="457200" rtl="0" eaLnBrk="1" latinLnBrk="0" hangingPunct="1">
         <a:defRPr sz="1800" kern="1200">
           <a:solidFill>
             <a:schemeClr val="tx1"/>
@@ -2936,7 +5361,7 @@
           <a:cs typeface="+mn-cs"/>
         </a:defRPr>
       </a:lvl8pPr>
-      <a:lvl9pPr marL="3657600" algn="l" defTabSz="914400" rtl="0" eaLnBrk="1" latinLnBrk="0" hangingPunct="1">
+      <a:lvl9pPr marL="3657600" algn="l" defTabSz="457200" rtl="0" eaLnBrk="1" latinLnBrk="0" hangingPunct="1">
         <a:defRPr sz="1800" kern="1200">
           <a:solidFill>
             <a:schemeClr val="tx1"/>
@@ -2984,7 +5409,7 @@
           <a:lstStyle/>
           <a:p>
             <a:r>
-              <a:rPr lang="en-US" dirty="0" smtClean="0"/>
+              <a:rPr lang="en-US" dirty="0"/>
               <a:t>AJAX</a:t>
             </a:r>
             <a:endParaRPr lang="en-IN" dirty="0"/>
@@ -3056,7 +5481,7 @@
           <a:lstStyle/>
           <a:p>
             <a:r>
-              <a:rPr lang="en-US" dirty="0" smtClean="0"/>
+              <a:rPr lang="en-US" dirty="0"/>
               <a:t>What is AJAX ?</a:t>
             </a:r>
             <a:endParaRPr lang="en-IN" dirty="0"/>
@@ -3079,47 +5504,47 @@
           <a:lstStyle/>
           <a:p>
             <a:r>
-              <a:rPr lang="en-US" dirty="0" smtClean="0"/>
+              <a:rPr lang="en-US" dirty="0"/>
               <a:t>AJAX stands for asynchronous </a:t>
             </a:r>
             <a:r>
-              <a:rPr lang="en-US" dirty="0" err="1" smtClean="0"/>
+              <a:rPr lang="en-US" dirty="0" err="1"/>
               <a:t>Javascript</a:t>
             </a:r>
             <a:r>
-              <a:rPr lang="en-US" dirty="0" smtClean="0"/>
+              <a:rPr lang="en-US" dirty="0"/>
               <a:t> and XML</a:t>
             </a:r>
           </a:p>
           <a:p>
             <a:r>
-              <a:rPr lang="en-US" dirty="0" smtClean="0"/>
+              <a:rPr lang="en-US" dirty="0"/>
               <a:t>AJAX is not a Programming </a:t>
             </a:r>
             <a:r>
-              <a:rPr lang="en-US" dirty="0" err="1" smtClean="0"/>
+              <a:rPr lang="en-US" dirty="0" err="1"/>
               <a:t>Language.Rather</a:t>
             </a:r>
             <a:r>
-              <a:rPr lang="en-US" dirty="0" smtClean="0"/>
+              <a:rPr lang="en-US" dirty="0"/>
               <a:t>; it’s a set of existing technologies.</a:t>
             </a:r>
           </a:p>
           <a:p>
             <a:r>
-              <a:rPr lang="en-US" dirty="0" smtClean="0"/>
+              <a:rPr lang="en-US" dirty="0"/>
               <a:t>AJAX helps in fetching data asynchronously without interfering with existing page.</a:t>
             </a:r>
           </a:p>
           <a:p>
             <a:r>
-              <a:rPr lang="en-US" dirty="0" smtClean="0"/>
+              <a:rPr lang="en-US" dirty="0"/>
               <a:t>No page reload/refresh</a:t>
             </a:r>
           </a:p>
           <a:p>
             <a:r>
-              <a:rPr lang="en-US" dirty="0" smtClean="0"/>
+              <a:rPr lang="en-US" dirty="0"/>
               <a:t>Modern website use JSON instead or XML for data transfer</a:t>
             </a:r>
             <a:endParaRPr lang="en-IN" dirty="0"/>
@@ -3172,7 +5597,7 @@
           <a:lstStyle/>
           <a:p>
             <a:r>
-              <a:rPr lang="en-US" dirty="0" smtClean="0"/>
+              <a:rPr lang="en-US" dirty="0"/>
               <a:t>Why Use AJAX?</a:t>
             </a:r>
             <a:endParaRPr lang="en-IN" dirty="0"/>
@@ -3195,25 +5620,25 @@
           <a:lstStyle/>
           <a:p>
             <a:r>
-              <a:rPr lang="en-US" dirty="0" smtClean="0"/>
+              <a:rPr lang="en-US" dirty="0"/>
               <a:t>No page reload/refresh</a:t>
             </a:r>
           </a:p>
           <a:p>
             <a:r>
-              <a:rPr lang="en-US" dirty="0" smtClean="0"/>
+              <a:rPr lang="en-US" dirty="0"/>
               <a:t>Better user experience</a:t>
             </a:r>
           </a:p>
           <a:p>
             <a:r>
-              <a:rPr lang="en-US" dirty="0" smtClean="0"/>
+              <a:rPr lang="en-US" dirty="0"/>
               <a:t>Saves network bandwidth</a:t>
             </a:r>
           </a:p>
           <a:p>
             <a:r>
-              <a:rPr lang="en-US" dirty="0" smtClean="0"/>
+              <a:rPr lang="en-US" dirty="0"/>
               <a:t>Very interactive</a:t>
             </a:r>
             <a:endParaRPr lang="en-IN" dirty="0"/>
@@ -3266,7 +5691,7 @@
           <a:lstStyle/>
           <a:p>
             <a:r>
-              <a:rPr lang="en-US" dirty="0" smtClean="0"/>
+              <a:rPr lang="en-US" dirty="0"/>
               <a:t>How it Works?</a:t>
             </a:r>
             <a:endParaRPr lang="en-IN" dirty="0"/>
@@ -3289,43 +5714,43 @@
           <a:lstStyle/>
           <a:p>
             <a:r>
-              <a:rPr lang="en-US" dirty="0" smtClean="0"/>
+              <a:rPr lang="en-US" dirty="0"/>
               <a:t>Ajax use </a:t>
             </a:r>
             <a:r>
-              <a:rPr lang="en-US" dirty="0" err="1" smtClean="0"/>
+              <a:rPr lang="en-US" dirty="0" err="1"/>
               <a:t>XMLHttpRequest</a:t>
             </a:r>
             <a:r>
-              <a:rPr lang="en-US" dirty="0" smtClean="0"/>
+              <a:rPr lang="en-US" dirty="0"/>
               <a:t> object (also called </a:t>
             </a:r>
             <a:r>
-              <a:rPr lang="en-US" dirty="0" err="1" smtClean="0"/>
+              <a:rPr lang="en-US" dirty="0" err="1"/>
               <a:t>xhr</a:t>
             </a:r>
             <a:r>
-              <a:rPr lang="en-US" dirty="0" smtClean="0"/>
+              <a:rPr lang="en-US" dirty="0"/>
               <a:t> objects) to </a:t>
             </a:r>
             <a:r>
-              <a:rPr lang="en-US" dirty="0" err="1" smtClean="0"/>
+              <a:rPr lang="en-US" dirty="0" err="1"/>
               <a:t>achive</a:t>
             </a:r>
             <a:r>
-              <a:rPr lang="en-US" dirty="0" smtClean="0"/>
+              <a:rPr lang="en-US" dirty="0"/>
               <a:t> this</a:t>
             </a:r>
           </a:p>
           <a:p>
             <a:r>
-              <a:rPr lang="en-US" dirty="0" smtClean="0"/>
+              <a:rPr lang="en-US" dirty="0"/>
               <a:t>Modern Website use JSON instead for data transfer.</a:t>
             </a:r>
           </a:p>
           <a:p>
             <a:r>
-              <a:rPr lang="en-US" dirty="0" smtClean="0"/>
+              <a:rPr lang="en-US" dirty="0"/>
               <a:t>Data can be transferred in any format and protocol (Not always https necessarily)</a:t>
             </a:r>
             <a:endParaRPr lang="en-IN" dirty="0"/>
@@ -3377,7 +5802,10 @@
           <a:bodyPr/>
           <a:lstStyle/>
           <a:p>
-            <a:endParaRPr lang="en-IN"/>
+            <a:r>
+              <a:rPr lang="en-IN" dirty="0"/>
+              <a:t>How it Works</a:t>
+            </a:r>
           </a:p>
         </p:txBody>
       </p:sp>
@@ -3405,8 +5833,8 @@
         </p:blipFill>
         <p:spPr>
           <a:xfrm>
-            <a:off x="120423" y="-1"/>
-            <a:ext cx="12043835" cy="6858001"/>
+            <a:off x="0" y="1890944"/>
+            <a:ext cx="12191999" cy="4967056"/>
           </a:xfrm>
         </p:spPr>
       </p:pic>
@@ -3424,9 +5852,9 @@
 </file>
 
 <file path=ppt/theme/theme1.xml><?xml version="1.0" encoding="utf-8"?>
-<a:theme xmlns:a="http://schemas.openxmlformats.org/drawingml/2006/main" name="Office Theme">
+<a:theme xmlns:a="http://schemas.openxmlformats.org/drawingml/2006/main" name="Quotable">
   <a:themeElements>
-    <a:clrScheme name="Office">
+    <a:clrScheme name="Quotable">
       <a:dk1>
         <a:sysClr val="windowText" lastClr="000000"/>
       </a:dk1>
@@ -3434,83 +5862,48 @@
         <a:sysClr val="window" lastClr="FFFFFF"/>
       </a:lt1>
       <a:dk2>
-        <a:srgbClr val="44546A"/>
+        <a:srgbClr val="212121"/>
       </a:dk2>
       <a:lt2>
-        <a:srgbClr val="E7E6E6"/>
+        <a:srgbClr val="636363"/>
       </a:lt2>
       <a:accent1>
-        <a:srgbClr val="5B9BD5"/>
+        <a:srgbClr val="00C6BB"/>
       </a:accent1>
       <a:accent2>
-        <a:srgbClr val="ED7D31"/>
+        <a:srgbClr val="6FEBA0"/>
       </a:accent2>
       <a:accent3>
-        <a:srgbClr val="A5A5A5"/>
+        <a:srgbClr val="B6DF5E"/>
       </a:accent3>
       <a:accent4>
-        <a:srgbClr val="FFC000"/>
+        <a:srgbClr val="EFB251"/>
       </a:accent4>
       <a:accent5>
-        <a:srgbClr val="4472C4"/>
+        <a:srgbClr val="EF755F"/>
       </a:accent5>
       <a:accent6>
-        <a:srgbClr val="70AD47"/>
+        <a:srgbClr val="ED515C"/>
       </a:accent6>
       <a:hlink>
-        <a:srgbClr val="0563C1"/>
+        <a:srgbClr val="8F8F8F"/>
       </a:hlink>
       <a:folHlink>
-        <a:srgbClr val="954F72"/>
+        <a:srgbClr val="A5A5A5"/>
       </a:folHlink>
     </a:clrScheme>
-    <a:fontScheme name="Office">
+    <a:fontScheme name="Quotable">
       <a:majorFont>
-        <a:latin typeface="Calibri Light" panose="020F0302020204030204"/>
+        <a:latin typeface="Century Gothic" panose="020B0502020202020204"/>
         <a:ea typeface=""/>
         <a:cs typeface=""/>
-        <a:font script="Jpan" typeface="游ゴシック Light"/>
+        <a:font script="Jpan" typeface="ＭＳ ゴシック"/>
         <a:font script="Hang" typeface="맑은 고딕"/>
-        <a:font script="Hans" typeface="等线 Light"/>
+        <a:font script="Hans" typeface="宋体"/>
         <a:font script="Hant" typeface="新細明體"/>
-        <a:font script="Arab" typeface="Times New Roman"/>
-        <a:font script="Hebr" typeface="Times New Roman"/>
-        <a:font script="Thai" typeface="Angsana New"/>
-        <a:font script="Ethi" typeface="Nyala"/>
-        <a:font script="Beng" typeface="Vrinda"/>
-        <a:font script="Gujr" typeface="Shruti"/>
-        <a:font script="Khmr" typeface="MoolBoran"/>
-        <a:font script="Knda" typeface="Tunga"/>
-        <a:font script="Guru" typeface="Raavi"/>
-        <a:font script="Cans" typeface="Euphemia"/>
-        <a:font script="Cher" typeface="Plantagenet Cherokee"/>
-        <a:font script="Yiii" typeface="Microsoft Yi Baiti"/>
-        <a:font script="Tibt" typeface="Microsoft Himalaya"/>
-        <a:font script="Thaa" typeface="MV Boli"/>
-        <a:font script="Deva" typeface="Mangal"/>
-        <a:font script="Telu" typeface="Gautami"/>
-        <a:font script="Taml" typeface="Latha"/>
-        <a:font script="Syrc" typeface="Estrangelo Edessa"/>
-        <a:font script="Orya" typeface="Kalinga"/>
-        <a:font script="Mlym" typeface="Kartika"/>
-        <a:font script="Laoo" typeface="DokChampa"/>
-        <a:font script="Sinh" typeface="Iskoola Pota"/>
-        <a:font script="Mong" typeface="Mongolian Baiti"/>
-        <a:font script="Viet" typeface="Times New Roman"/>
-        <a:font script="Uigh" typeface="Microsoft Uighur"/>
-        <a:font script="Geor" typeface="Sylfaen"/>
-      </a:majorFont>
-      <a:minorFont>
-        <a:latin typeface="Calibri" panose="020F0502020204030204"/>
-        <a:ea typeface=""/>
-        <a:cs typeface=""/>
-        <a:font script="Jpan" typeface="游ゴシック"/>
-        <a:font script="Hang" typeface="맑은 고딕"/>
-        <a:font script="Hans" typeface="等线"/>
-        <a:font script="Hant" typeface="新細明體"/>
-        <a:font script="Arab" typeface="Arial"/>
-        <a:font script="Hebr" typeface="Arial"/>
-        <a:font script="Thai" typeface="Cordia New"/>
+        <a:font script="Arab" typeface="Tahoma"/>
+        <a:font script="Hebr" typeface="Gisha"/>
+        <a:font script="Thai" typeface="DilleniaUPC"/>
         <a:font script="Ethi" typeface="Nyala"/>
         <a:font script="Beng" typeface="Vrinda"/>
         <a:font script="Gujr" typeface="Shruti"/>
@@ -3531,12 +5924,47 @@
         <a:font script="Laoo" typeface="DokChampa"/>
         <a:font script="Sinh" typeface="Iskoola Pota"/>
         <a:font script="Mong" typeface="Mongolian Baiti"/>
-        <a:font script="Viet" typeface="Arial"/>
+        <a:font script="Viet" typeface="Tahoma"/>
+        <a:font script="Uigh" typeface="Microsoft Uighur"/>
+        <a:font script="Geor" typeface="Sylfaen"/>
+      </a:majorFont>
+      <a:minorFont>
+        <a:latin typeface="Century Gothic" panose="020B0502020202020204"/>
+        <a:ea typeface=""/>
+        <a:cs typeface=""/>
+        <a:font script="Jpan" typeface="ＭＳ ゴシック"/>
+        <a:font script="Hang" typeface="맑은 고딕"/>
+        <a:font script="Hans" typeface="宋体"/>
+        <a:font script="Hant" typeface="新細明體"/>
+        <a:font script="Arab" typeface="Tahoma"/>
+        <a:font script="Hebr" typeface="Gisha"/>
+        <a:font script="Thai" typeface="DilleniaUPC"/>
+        <a:font script="Ethi" typeface="Nyala"/>
+        <a:font script="Beng" typeface="Vrinda"/>
+        <a:font script="Gujr" typeface="Shruti"/>
+        <a:font script="Khmr" typeface="DaunPenh"/>
+        <a:font script="Knda" typeface="Tunga"/>
+        <a:font script="Guru" typeface="Raavi"/>
+        <a:font script="Cans" typeface="Euphemia"/>
+        <a:font script="Cher" typeface="Plantagenet Cherokee"/>
+        <a:font script="Yiii" typeface="Microsoft Yi Baiti"/>
+        <a:font script="Tibt" typeface="Microsoft Himalaya"/>
+        <a:font script="Thaa" typeface="MV Boli"/>
+        <a:font script="Deva" typeface="Mangal"/>
+        <a:font script="Telu" typeface="Gautami"/>
+        <a:font script="Taml" typeface="Latha"/>
+        <a:font script="Syrc" typeface="Estrangelo Edessa"/>
+        <a:font script="Orya" typeface="Kalinga"/>
+        <a:font script="Mlym" typeface="Kartika"/>
+        <a:font script="Laoo" typeface="DokChampa"/>
+        <a:font script="Sinh" typeface="Iskoola Pota"/>
+        <a:font script="Mong" typeface="Mongolian Baiti"/>
+        <a:font script="Viet" typeface="Verdana"/>
         <a:font script="Uigh" typeface="Microsoft Uighur"/>
         <a:font script="Geor" typeface="Sylfaen"/>
       </a:minorFont>
     </a:fontScheme>
-    <a:fmtScheme name="Office">
+    <a:fmtScheme name="Quotable">
       <a:fillStyleLst>
         <a:solidFill>
           <a:schemeClr val="phClr"/>
@@ -3545,76 +5973,52 @@
           <a:gsLst>
             <a:gs pos="0">
               <a:schemeClr val="phClr">
-                <a:lumMod val="110000"/>
-                <a:satMod val="105000"/>
-                <a:tint val="67000"/>
-              </a:schemeClr>
-            </a:gs>
-            <a:gs pos="50000">
-              <a:schemeClr val="phClr">
+                <a:tint val="80000"/>
                 <a:lumMod val="105000"/>
-                <a:satMod val="103000"/>
-                <a:tint val="73000"/>
               </a:schemeClr>
             </a:gs>
             <a:gs pos="100000">
               <a:schemeClr val="phClr">
-                <a:lumMod val="105000"/>
-                <a:satMod val="109000"/>
-                <a:tint val="81000"/>
+                <a:tint val="90000"/>
               </a:schemeClr>
             </a:gs>
           </a:gsLst>
           <a:lin ang="5400000" scaled="0"/>
         </a:gradFill>
-        <a:gradFill rotWithShape="1">
-          <a:gsLst>
-            <a:gs pos="0">
+        <a:blipFill rotWithShape="1">
+          <a:blip xmlns:r="http://schemas.openxmlformats.org/officeDocument/2006/relationships" r:embed="rId1">
+            <a:duotone>
               <a:schemeClr val="phClr">
-                <a:satMod val="103000"/>
+                <a:tint val="98000"/>
                 <a:lumMod val="102000"/>
-                <a:tint val="94000"/>
               </a:schemeClr>
-            </a:gs>
-            <a:gs pos="50000">
               <a:schemeClr val="phClr">
-                <a:satMod val="110000"/>
-                <a:lumMod val="100000"/>
-                <a:shade val="100000"/>
+                <a:shade val="98000"/>
+                <a:lumMod val="98000"/>
               </a:schemeClr>
-            </a:gs>
-            <a:gs pos="100000">
-              <a:schemeClr val="phClr">
-                <a:lumMod val="99000"/>
-                <a:satMod val="120000"/>
-                <a:shade val="78000"/>
-              </a:schemeClr>
-            </a:gs>
-          </a:gsLst>
-          <a:lin ang="5400000" scaled="0"/>
-        </a:gradFill>
+            </a:duotone>
+          </a:blip>
+          <a:tile tx="0" ty="0" sx="100000" sy="100000" flip="none" algn="tl"/>
+        </a:blipFill>
       </a:fillStyleLst>
       <a:lnStyleLst>
-        <a:ln w="6350" cap="flat" cmpd="sng" algn="ctr">
+        <a:ln w="9525" cap="rnd" cmpd="sng" algn="ctr">
           <a:solidFill>
             <a:schemeClr val="phClr"/>
           </a:solidFill>
           <a:prstDash val="solid"/>
-          <a:miter lim="800000"/>
         </a:ln>
-        <a:ln w="12700" cap="flat" cmpd="sng" algn="ctr">
+        <a:ln w="15875" cap="rnd" cmpd="sng" algn="ctr">
           <a:solidFill>
             <a:schemeClr val="phClr"/>
           </a:solidFill>
           <a:prstDash val="solid"/>
-          <a:miter lim="800000"/>
         </a:ln>
-        <a:ln w="19050" cap="flat" cmpd="sng" algn="ctr">
+        <a:ln w="25400" cap="rnd" cmpd="sng" algn="ctr">
           <a:solidFill>
             <a:schemeClr val="phClr"/>
           </a:solidFill>
           <a:prstDash val="solid"/>
-          <a:miter lim="800000"/>
         </a:ln>
       </a:lnStyleLst>
       <a:effectStyleLst>
@@ -3626,11 +6030,11 @@
         </a:effectStyle>
         <a:effectStyle>
           <a:effectLst>
-            <a:outerShdw blurRad="57150" dist="19050" dir="5400000" algn="ctr" rotWithShape="0">
+            <a:innerShdw blurRad="63500" dist="25400" dir="13500000">
               <a:srgbClr val="000000">
-                <a:alpha val="63000"/>
+                <a:alpha val="75000"/>
               </a:srgbClr>
-            </a:outerShdw>
+            </a:innerShdw>
           </a:effectLst>
         </a:effectStyle>
       </a:effectStyleLst>
@@ -3638,35 +6042,35 @@
         <a:solidFill>
           <a:schemeClr val="phClr"/>
         </a:solidFill>
-        <a:solidFill>
-          <a:schemeClr val="phClr">
-            <a:tint val="95000"/>
-            <a:satMod val="170000"/>
-          </a:schemeClr>
-        </a:solidFill>
         <a:gradFill rotWithShape="1">
           <a:gsLst>
             <a:gs pos="0">
               <a:schemeClr val="phClr">
-                <a:tint val="93000"/>
-                <a:satMod val="150000"/>
-                <a:shade val="98000"/>
-                <a:lumMod val="102000"/>
-              </a:schemeClr>
-            </a:gs>
-            <a:gs pos="50000">
-              <a:schemeClr val="phClr">
-                <a:tint val="98000"/>
-                <a:satMod val="130000"/>
-                <a:shade val="90000"/>
-                <a:lumMod val="103000"/>
+                <a:tint val="100000"/>
               </a:schemeClr>
             </a:gs>
             <a:gs pos="100000">
               <a:schemeClr val="phClr">
-                <a:shade val="63000"/>
+                <a:tint val="84000"/>
+                <a:shade val="84000"/>
+                <a:lumMod val="90000"/>
+              </a:schemeClr>
+            </a:gs>
+          </a:gsLst>
+          <a:lin ang="5400000" scaled="0"/>
+        </a:gradFill>
+        <a:gradFill rotWithShape="1">
+          <a:gsLst>
+            <a:gs pos="0">
+              <a:schemeClr val="phClr">
+                <a:tint val="84000"/>
+                <a:shade val="90000"/>
                 <a:satMod val="120000"/>
+                <a:lumMod val="90000"/>
               </a:schemeClr>
+            </a:gs>
+            <a:gs pos="100000">
+              <a:schemeClr val="phClr"/>
             </a:gs>
           </a:gsLst>
           <a:lin ang="5400000" scaled="0"/>
@@ -3678,7 +6082,7 @@
   <a:extraClrSchemeLst/>
   <a:extLst>
     <a:ext uri="{05A4C25C-085E-4340-85A3-A5531E510DB2}">
-      <thm15:themeFamily xmlns:thm15="http://schemas.microsoft.com/office/thememl/2012/main" name="Office Theme" id="{62F939B6-93AF-4DB8-9C6B-D6C7DFDC589F}" vid="{4A3C46E8-61CC-4603-A589-7422A47A8E4A}"/>
+      <thm15:themeFamily xmlns:thm15="http://schemas.microsoft.com/office/thememl/2012/main" name="Quotable" id="{39EC5628-30ED-4578-ACD8-9820EDB8E15A}" vid="{6F3559E9-1A4C-49D8-94D4-F41003531C49}"/>
     </a:ext>
   </a:extLst>
 </a:theme>
